--- a/teaching/3-2-digitale-logik-gatter.pptx
+++ b/teaching/3-2-digitale-logik-gatter.pptx
@@ -9,6 +9,8 @@
     <p:sldId id="261" r:id="rId3"/>
     <p:sldId id="262" r:id="rId4"/>
     <p:sldId id="263" r:id="rId5"/>
+    <p:sldId id="264" r:id="rId6"/>
+    <p:sldId id="265" r:id="rId7"/>
   </p:sldIdLst>
   <p:sldSz cx="12192000" cy="6858000"/>
   <p:notesSz cx="6858000" cy="9144000"/>
@@ -221,6 +223,8 @@
             <p14:sldId id="261"/>
             <p14:sldId id="262"/>
             <p14:sldId id="263"/>
+            <p14:sldId id="264"/>
+            <p14:sldId id="265"/>
           </p14:sldIdLst>
         </p14:section>
       </p14:sectionLst>
@@ -256,7 +260,7 @@
             <a:spLocks noGrp="1" noChangeArrowheads="1"/>
             <a:extLst>
               <a:ext uri="smNativeData">
-                <pr:smNativeData xmlns="" xmlns:p14="http://schemas.microsoft.com/office/powerpoint/2010/main" xmlns:pr="smNativeData" val="SMDATA_13_bZFGXhMAAAAlAAAAZAAAAA0AAAAAkAAAAEgAAACQAAAASAAAAAAAAAACAAAAAAAAAAEAAABQAAAAAAAAAAAA4D8AAAAAAADgPwAAAAAAAOA/AAAAAAAA4D8AAAAAAADgPwAAAAAAAOA/AAAAAAAA4D8AAAAAAADgPwAAAAAAAOA/AAAAAAAA4D8CAAAAjAAAAAAAAAAAAAAAZmZmDP///wgAAAAAAAAAAAAAAAAAAAAAAAAAAAAAAAAAAAAAZAAAAAEAAABAAAAAAAAAAAAAAAAAAAAAAAAAAAAAAAAAAAAAAAAAAAAAAAAAAAAAAAAAAAAAAAAAAAAAAAAAAAAAAAAAAAAAAAAAAAAAAAAAAAAAAAAAAAAAAAAAAAAAFAAAADwAAAAAAAAAAAAAAAAAAAkUAAAAAQAAABQAAAAUAAAAFAAAAAEAAAAAAAAAZAAAAGQAAAAAAAAAZAAAAGQAAAAVAAAAYAAAAAAAAAAAAAAADwAAACADAAAAAAAAAAAAAAEAAACgMgAAVgcAAKr4//8BAAAAf39/AAEAAABkAAAAAAAAABQAAABAHwAAAAAAACYAAAAAAAAAwOD//wAAAAAmAAAAZAAAABYAAABMAAAAAAAAAAAAAAAEAAAAAAAAAAEAAADn5uYKAAAAACgAAAAoAAAAZAAAAGQAAAAAAAAAzMzMAAAAAABQAAAAUAAAAGQAAABkAAAAAAAAABcAAAAUAAAAAAAAAAAAAAD/fwAA/38AAAAAAAAJAAAABAAAAAAQAAAMAAAAEAAAAAAAAAAAAAAAAAAAAAAAAAAeAAAAaAAAAAAAAAAAAAAAAAAAAAAAAAAAAAAAECcAABAnAAAAAAAAAAAAAAAAAAAAAAAAAAAAAAAAAAAAAAAAAAAAABQAAAAAAAAAwMD/AAAAAABkAAAAMgAAAAAAAABkAAAAAAAAAH9/fwAKAAAAHwAAAFQAAAAAAAAFAAAAAQAAAAAAAAAAAAAAAAAAAAAAAAAAAAAAAAAAAAAAAAAAAAAAAn9/fwAAAAADzMzMAMDA/wB/f38AAAAAAAAAAAAAAAAAAAAAAAAAAAAhAAAAGAAAABQAAABgCQAA6AYAAKBBAACYFQAAEAAAACYAAAAIAAAAgYAAAAAAAAA="/>
+                <pr:smNativeData xmlns:pr="smNativeData" xmlns:p14="http://schemas.microsoft.com/office/powerpoint/2010/main" xmlns="" val="SMDATA_13_bZFGXhMAAAAlAAAAZAAAAA0AAAAAkAAAAEgAAACQAAAASAAAAAAAAAACAAAAAAAAAAEAAABQAAAAAAAAAAAA4D8AAAAAAADgPwAAAAAAAOA/AAAAAAAA4D8AAAAAAADgPwAAAAAAAOA/AAAAAAAA4D8AAAAAAADgPwAAAAAAAOA/AAAAAAAA4D8CAAAAjAAAAAAAAAAAAAAAZmZmDP///wgAAAAAAAAAAAAAAAAAAAAAAAAAAAAAAAAAAAAAZAAAAAEAAABAAAAAAAAAAAAAAAAAAAAAAAAAAAAAAAAAAAAAAAAAAAAAAAAAAAAAAAAAAAAAAAAAAAAAAAAAAAAAAAAAAAAAAAAAAAAAAAAAAAAAAAAAAAAAAAAAAAAAFAAAADwAAAAAAAAAAAAAAAAAAAkUAAAAAQAAABQAAAAUAAAAFAAAAAEAAAAAAAAAZAAAAGQAAAAAAAAAZAAAAGQAAAAVAAAAYAAAAAAAAAAAAAAADwAAACADAAAAAAAAAAAAAAEAAACgMgAAVgcAAKr4//8BAAAAf39/AAEAAABkAAAAAAAAABQAAABAHwAAAAAAACYAAAAAAAAAwOD//wAAAAAmAAAAZAAAABYAAABMAAAAAAAAAAAAAAAEAAAAAAAAAAEAAADn5uYKAAAAACgAAAAoAAAAZAAAAGQAAAAAAAAAzMzMAAAAAABQAAAAUAAAAGQAAABkAAAAAAAAABcAAAAUAAAAAAAAAAAAAAD/fwAA/38AAAAAAAAJAAAABAAAAAAQAAAMAAAAEAAAAAAAAAAAAAAAAAAAAAAAAAAeAAAAaAAAAAAAAAAAAAAAAAAAAAAAAAAAAAAAECcAABAnAAAAAAAAAAAAAAAAAAAAAAAAAAAAAAAAAAAAAAAAAAAAABQAAAAAAAAAwMD/AAAAAABkAAAAMgAAAAAAAABkAAAAAAAAAH9/fwAKAAAAHwAAAFQAAAAAAAAFAAAAAQAAAAAAAAAAAAAAAAAAAAAAAAAAAAAAAAAAAAAAAAAAAAAAAn9/fwAAAAADzMzMAMDA/wB/f38AAAAAAAAAAAAAAAAAAAAAAAAAAAAhAAAAGAAAABQAAABgCQAA6AYAAKBBAACYFQAAEAAAACYAAAAIAAAAgYAAAAAAAAA="/>
               </a:ext>
             </a:extLst>
           </p:cNvSpPr>
@@ -324,7 +328,7 @@
             <a:spLocks noGrp="1" noChangeArrowheads="1"/>
             <a:extLst>
               <a:ext uri="smNativeData">
-                <pr:smNativeData xmlns="" xmlns:p14="http://schemas.microsoft.com/office/powerpoint/2010/main" xmlns:pr="smNativeData" val="SMDATA_13_bZFGXhMAAAAlAAAAZAAAAA0AAAAAkAAAAEgAAACQAAAASAAAAAAAAAAAAAAAAAAAAAEAAABQAAAAAAAAAAAA4D8AAAAAAADgPwAAAAAAAOA/AAAAAAAA4D8AAAAAAADgPwAAAAAAAOA/AAAAAAAA4D8AAAAAAADgPwAAAAAAAOA/AAAAAAAA4D8CAAAAjAAAAAAAAAAAAAAAZmZmDP///wgAAAAAAAAAAAAAAAAAAAAAAAAAAAAAAAAAAAAAZAAAAAEAAABAAAAAAAAAAAAAAAAAAAAAAAAAAAAAAAAAAAAAAAAAAAAAAAAAAAAAAAAAAAAAAAAAAAAAAAAAAAAAAAAAAAAAAAAAAAAAAAAAAAAAAAAAAAAAAAAAAAAAFAAAADwAAAAAAAAAAAAAAAAAAAkUAAAAAQAAABQAAAAUAAAAFAAAAAEAAAAAAAAAZAAAAGQAAAAAAAAAZAAAAGQAAAAVAAAAYAAAAAAAAAAAAAAADwAAACADAAAAAAAAAAAAAAEAAACgMgAAVgcAAKr4//8BAAAAf39/AAEAAABkAAAAAAAAABQAAABAHwAAAAAAACYAAAAAAAAAwOD//wAAAAAmAAAAZAAAABYAAABMAAAAAAAAAAAAAAAEAAAAAAAAAAEAAADn5uYKAAAAACgAAAAoAAAAZAAAAGQAAAAAAAAAzMzMAAAAAABQAAAAUAAAAGQAAABkAAAAAAAAABcAAAAUAAAAAAAAAAAAAAD/fwAA/38AAAAAAAAJAAAABAAAAAAQAAAMAAAAEAAAAAAAAAAAAAAAAAAAAAAAAAAeAAAAaAAAAAAAAAAAAAAAAAAAAAAAAAAAAAAAECcAABAnAAAAAAAAAAAAAAAAAAAAAAAAAAAAAAAAAAAAAAAAAAAAABQAAAAAAAAAwMD/AAAAAABkAAAAMgAAAAAAAABkAAAAAAAAAH9/fwAKAAAAHwAAAFQAAAAAAAAFAAAAAQAAAAAAAAAAAAAAAAAAAAAAAAAAAAAAAAAAAAAAAAAAAAAAAn9/fwAAAAADzMzMAMDA/wB/f38AAAAAAAAAAAAAAAAAAAAAAAAAAAAhAAAAGAAAABQAAABgCQAAKRYAAKBBAABYIAAAEAAAACYAAAAIAAAAAYAAAAAAAAA="/>
+                <pr:smNativeData xmlns:pr="smNativeData" xmlns:p14="http://schemas.microsoft.com/office/powerpoint/2010/main" xmlns="" val="SMDATA_13_bZFGXhMAAAAlAAAAZAAAAA0AAAAAkAAAAEgAAACQAAAASAAAAAAAAAAAAAAAAAAAAAEAAABQAAAAAAAAAAAA4D8AAAAAAADgPwAAAAAAAOA/AAAAAAAA4D8AAAAAAADgPwAAAAAAAOA/AAAAAAAA4D8AAAAAAADgPwAAAAAAAOA/AAAAAAAA4D8CAAAAjAAAAAAAAAAAAAAAZmZmDP///wgAAAAAAAAAAAAAAAAAAAAAAAAAAAAAAAAAAAAAZAAAAAEAAABAAAAAAAAAAAAAAAAAAAAAAAAAAAAAAAAAAAAAAAAAAAAAAAAAAAAAAAAAAAAAAAAAAAAAAAAAAAAAAAAAAAAAAAAAAAAAAAAAAAAAAAAAAAAAAAAAAAAAFAAAADwAAAAAAAAAAAAAAAAAAAkUAAAAAQAAABQAAAAUAAAAFAAAAAEAAAAAAAAAZAAAAGQAAAAAAAAAZAAAAGQAAAAVAAAAYAAAAAAAAAAAAAAADwAAACADAAAAAAAAAAAAAAEAAACgMgAAVgcAAKr4//8BAAAAf39/AAEAAABkAAAAAAAAABQAAABAHwAAAAAAACYAAAAAAAAAwOD//wAAAAAmAAAAZAAAABYAAABMAAAAAAAAAAAAAAAEAAAAAAAAAAEAAADn5uYKAAAAACgAAAAoAAAAZAAAAGQAAAAAAAAAzMzMAAAAAABQAAAAUAAAAGQAAABkAAAAAAAAABcAAAAUAAAAAAAAAAAAAAD/fwAA/38AAAAAAAAJAAAABAAAAAAQAAAMAAAAEAAAAAAAAAAAAAAAAAAAAAAAAAAeAAAAaAAAAAAAAAAAAAAAAAAAAAAAAAAAAAAAECcAABAnAAAAAAAAAAAAAAAAAAAAAAAAAAAAAAAAAAAAAAAAAAAAABQAAAAAAAAAwMD/AAAAAABkAAAAMgAAAAAAAABkAAAAAAAAAH9/fwAKAAAAHwAAAFQAAAAAAAAFAAAAAQAAAAAAAAAAAAAAAAAAAAAAAAAAAAAAAAAAAAAAAAAAAAAAAn9/fwAAAAADzMzMAMDA/wB/f38AAAAAAAAAAAAAAAAAAAAAAAAAAAAhAAAAGAAAABQAAABgCQAAKRYAAKBBAABYIAAAEAAAACYAAAAIAAAAAYAAAAAAAAA="/>
               </a:ext>
             </a:extLst>
           </p:cNvSpPr>
@@ -427,7 +431,7 @@
             <a:spLocks noGrp="1" noChangeArrowheads="1"/>
             <a:extLst>
               <a:ext uri="smNativeData">
-                <pr:smNativeData xmlns="" xmlns:p14="http://schemas.microsoft.com/office/powerpoint/2010/main" xmlns:pr="smNativeData" val="SMDATA_13_bZFGXhMAAAAlAAAAZAAAAA0AAAAAkAAAAEgAAACQAAAASAAAAAAAAAABAAAAAAAAAAEAAABQAAAAAAAAAAAA4D8AAAAAAADgPwAAAAAAAOA/AAAAAAAA4D8AAAAAAADgPwAAAAAAAOA/AAAAAAAA4D8AAAAAAADgPwAAAAAAAOA/AAAAAAAA4D8CAAAAjAAAAAAAAAAAAAAAZmZmDP///wgAAAAAAAAAAAAAAAAAAAAAAAAAAAAAAAAAAAAAZAAAAAEAAABAAAAAAAAAAAAAAAAAAAAAAAAAAAAAAAAAAAAAAAAAAAAAAAAAAAAAAAAAAAAAAAAAAAAAAAAAAAAAAAAAAAAAAAAAAAAAAAAAAAAAAAAAAAAAAAAAAAAAFAAAADwAAAAAAAAAAAAAAAAAAAkUAAAAAQAAABQAAAAUAAAAFAAAAAEAAAAAAAAAZAAAAGQAAAAAAAAAZAAAAGQAAAAVAAAAYAAAAAAAAAAAAAAADwAAACADAAAAAAAAAAAAAAEAAACgMgAAVgcAAKr4//8BAAAAf39/AAEAAABkAAAAAAAAABQAAABAHwAAAAAAACYAAAAAAAAAwOD//wAAAAAmAAAAZAAAABYAAABMAAAAAAAAAAAAAAAEAAAAAAAAAAEAAADn5uYKAAAAACgAAAAoAAAAZAAAAGQAAAAAAAAAzMzMAAAAAABQAAAAUAAAAGQAAABkAAAAAAAAABcAAAAUAAAAAAAAAAAAAAD/fwAA/38AAAAAAAAJAAAABAAAAGE6bG4MAAAAEAAAAAAAAAAAAAAAAAAAAAAAAAAeAAAAaAAAAAAAAAAAAAAAAAAAAAAAAAAAAAAAECcAABAnAAAAAAAAAAAAAAAAAAAAAAAAAAAAAAAAAAAAAAAAAAAAABQAAAAAAAAAwMD/AAAAAABkAAAAMgAAAAAAAABkAAAAAAAAAH9/fwAKAAAAHwAAAFQAAAAAAAAFAAAAAQAAAAAAAAAAAAAAAAAAAAAAAAAAAAAAAAAAAAAAAAAAAAAAAn9/fwAAAAADzMzMAMDA/wB/f38AAAAAAAAAAAAAAAAAAAAAAAAAAAAhAAAAGAAAABQAAAAoBQAAPwIAANhFAABnCgAAEAAAACYAAAAIAAAAAAAAAAAAAAA="/>
+                <pr:smNativeData xmlns:pr="smNativeData" xmlns:p14="http://schemas.microsoft.com/office/powerpoint/2010/main" xmlns="" val="SMDATA_13_bZFGXhMAAAAlAAAAZAAAAA0AAAAAkAAAAEgAAACQAAAASAAAAAAAAAABAAAAAAAAAAEAAABQAAAAAAAAAAAA4D8AAAAAAADgPwAAAAAAAOA/AAAAAAAA4D8AAAAAAADgPwAAAAAAAOA/AAAAAAAA4D8AAAAAAADgPwAAAAAAAOA/AAAAAAAA4D8CAAAAjAAAAAAAAAAAAAAAZmZmDP///wgAAAAAAAAAAAAAAAAAAAAAAAAAAAAAAAAAAAAAZAAAAAEAAABAAAAAAAAAAAAAAAAAAAAAAAAAAAAAAAAAAAAAAAAAAAAAAAAAAAAAAAAAAAAAAAAAAAAAAAAAAAAAAAAAAAAAAAAAAAAAAAAAAAAAAAAAAAAAAAAAAAAAFAAAADwAAAAAAAAAAAAAAAAAAAkUAAAAAQAAABQAAAAUAAAAFAAAAAEAAAAAAAAAZAAAAGQAAAAAAAAAZAAAAGQAAAAVAAAAYAAAAAAAAAAAAAAADwAAACADAAAAAAAAAAAAAAEAAACgMgAAVgcAAKr4//8BAAAAf39/AAEAAABkAAAAAAAAABQAAABAHwAAAAAAACYAAAAAAAAAwOD//wAAAAAmAAAAZAAAABYAAABMAAAAAAAAAAAAAAAEAAAAAAAAAAEAAADn5uYKAAAAACgAAAAoAAAAZAAAAGQAAAAAAAAAzMzMAAAAAABQAAAAUAAAAGQAAABkAAAAAAAAABcAAAAUAAAAAAAAAAAAAAD/fwAA/38AAAAAAAAJAAAABAAAAGE6bG4MAAAAEAAAAAAAAAAAAAAAAAAAAAAAAAAeAAAAaAAAAAAAAAAAAAAAAAAAAAAAAAAAAAAAECcAABAnAAAAAAAAAAAAAAAAAAAAAAAAAAAAAAAAAAAAAAAAAAAAABQAAAAAAAAAwMD/AAAAAABkAAAAMgAAAAAAAABkAAAAAAAAAH9/fwAKAAAAHwAAAFQAAAAAAAAFAAAAAQAAAAAAAAAAAAAAAAAAAAAAAAAAAAAAAAAAAAAAAAAAAAAAAn9/fwAAAAADzMzMAMDA/wB/f38AAAAAAAAAAAAAAAAAAAAAAAAAAAAhAAAAGAAAABQAAAAoBQAAPwIAANhFAABnCgAAEAAAACYAAAAIAAAAAAAAAAAAAAA="/>
               </a:ext>
             </a:extLst>
           </p:cNvSpPr>
@@ -458,7 +462,7 @@
             <a:spLocks noGrp="1" noChangeArrowheads="1"/>
             <a:extLst>
               <a:ext uri="smNativeData">
-                <pr:smNativeData xmlns="" xmlns:p14="http://schemas.microsoft.com/office/powerpoint/2010/main" xmlns:pr="smNativeData" val="SMDATA_13_bZFGXhMAAAAlAAAAZAAAAA0AAAAAkAAAAEgAAACQAAAASAAAAAAAAAAAAAAAAAAAAAEAAABQAAAAAAAAAAAA4D8AAAAAAADgPwAAAAAAAOA/AAAAAAAA4D8AAAAAAADgPwAAAAAAAOA/AAAAAAAA4D8AAAAAAADgPwAAAAAAAOA/AAAAAAAA4D8CAAAAjAAAAAAAAAAAAAAAZmZmDP///wgAAAAAAAAAAAAAAAAAAAAAAAAAAAAAAAAAAAAAZAAAAAEAAABAAAAAAAAAAAAAAAAAAAAAAAAAAAAAAAAAAAAAAAAAAAAAAAAAAAAAAAAAAAAAAAAAAAAAAAAAAAAAAAAAAAAAAAAAAAAAAAAAAAAAAAAAAAAAAAAAAAAAFAAAADwAAAAAAAAAAAAAAAAAAAkUAAAAAQAAABQAAAAUAAAAFAAAAAEAAAAAAAAAZAAAAGQAAAAAAAAAZAAAAGQAAAAVAAAAYAAAAAAAAAAAAAAADwAAACADAAAAAAAAAAAAAAEAAACgMgAAVgcAAKr4//8BAAAAf39/AAEAAABkAAAAAAAAABQAAABAHwAAAAAAACYAAAAAAAAAwOD//wAAAAAmAAAAZAAAABYAAABMAAAAAAAAAAAAAAAEAAAAAAAAAAEAAADn5uYKAAAAACgAAAAoAAAAZAAAAGQAAAAAAAAAzMzMAAAAAABQAAAAUAAAAGQAAABkAAAAAAAAABcAAAAUAAAAAAAAAAAAAAD/fwAA/38AAAAAAAAJAAAABAAAAGludCAMAAAAEAAAAAAAAAAAAAAAAAAAAAAAAAAeAAAAaAAAAAAAAAAAAAAAAAAAAAAAAAAAAAAAECcAABAnAAAAAAAAAAAAAAAAAAAAAAAAAAAAAAAAAAAAAAAAAAAAABQAAAAAAAAAwMD/AAAAAABkAAAAMgAAAAAAAABkAAAAAAAAAH9/fwAKAAAAHwAAAFQAAAAAAAAFAAAAAQAAAAAAAAAAAAAAAAAAAAAAAAAAAAAAAAAAAAAAAAAAAAAAAn9/fwAAAAADzMzMAMDA/wB/f38AAAAAAAAAAAAAAAAAAAAAAAAAAAAhAAAAGAAAABQAAAAoBQAAOwsAANhFAAAAJgAAEAAAACYAAAAIAAAAAAAAAAAAAAA="/>
+                <pr:smNativeData xmlns:pr="smNativeData" xmlns:p14="http://schemas.microsoft.com/office/powerpoint/2010/main" xmlns="" val="SMDATA_13_bZFGXhMAAAAlAAAAZAAAAA0AAAAAkAAAAEgAAACQAAAASAAAAAAAAAAAAAAAAAAAAAEAAABQAAAAAAAAAAAA4D8AAAAAAADgPwAAAAAAAOA/AAAAAAAA4D8AAAAAAADgPwAAAAAAAOA/AAAAAAAA4D8AAAAAAADgPwAAAAAAAOA/AAAAAAAA4D8CAAAAjAAAAAAAAAAAAAAAZmZmDP///wgAAAAAAAAAAAAAAAAAAAAAAAAAAAAAAAAAAAAAZAAAAAEAAABAAAAAAAAAAAAAAAAAAAAAAAAAAAAAAAAAAAAAAAAAAAAAAAAAAAAAAAAAAAAAAAAAAAAAAAAAAAAAAAAAAAAAAAAAAAAAAAAAAAAAAAAAAAAAAAAAAAAAFAAAADwAAAAAAAAAAAAAAAAAAAkUAAAAAQAAABQAAAAUAAAAFAAAAAEAAAAAAAAAZAAAAGQAAAAAAAAAZAAAAGQAAAAVAAAAYAAAAAAAAAAAAAAADwAAACADAAAAAAAAAAAAAAEAAACgMgAAVgcAAKr4//8BAAAAf39/AAEAAABkAAAAAAAAABQAAABAHwAAAAAAACYAAAAAAAAAwOD//wAAAAAmAAAAZAAAABYAAABMAAAAAAAAAAAAAAAEAAAAAAAAAAEAAADn5uYKAAAAACgAAAAoAAAAZAAAAGQAAAAAAAAAzMzMAAAAAABQAAAAUAAAAGQAAABkAAAAAAAAABcAAAAUAAAAAAAAAAAAAAD/fwAA/38AAAAAAAAJAAAABAAAAGludCAMAAAAEAAAAAAAAAAAAAAAAAAAAAAAAAAeAAAAaAAAAAAAAAAAAAAAAAAAAAAAAAAAAAAAECcAABAnAAAAAAAAAAAAAAAAAAAAAAAAAAAAAAAAAAAAAAAAAAAAABQAAAAAAAAAwMD/AAAAAABkAAAAMgAAAAAAAABkAAAAAAAAAH9/fwAKAAAAHwAAAFQAAAAAAAAFAAAAAQAAAAAAAAAAAAAAAAAAAAAAAAAAAAAAAAAAAAAAAAAAAAAAAn9/fwAAAAADzMzMAMDA/wB/f38AAAAAAAAAAAAAAAAAAAAAAAAAAAAhAAAAGAAAABQAAAAoBQAAOwsAANhFAAAAJgAAEAAAACYAAAAIAAAAAAAAAAAAAAA="/>
               </a:ext>
             </a:extLst>
           </p:cNvSpPr>
@@ -555,7 +559,7 @@
             <a:spLocks noGrp="1" noChangeArrowheads="1"/>
             <a:extLst>
               <a:ext uri="smNativeData">
-                <pr:smNativeData xmlns="" xmlns:p14="http://schemas.microsoft.com/office/powerpoint/2010/main" xmlns:pr="smNativeData" val="SMDATA_13_bZFGXhMAAAAlAAAAZAAAAA0AAAAAkAAAAEgAAACQAAAASAAAAAAAAAABAAAAAAAAAAEAAABQAAAAAAAAAAAA4D8AAAAAAADgPwAAAAAAAOA/AAAAAAAA4D8AAAAAAADgPwAAAAAAAOA/AAAAAAAA4D8AAAAAAADgPwAAAAAAAOA/AAAAAAAA4D8CAAAAjAAAAAAAAAAAAAAAZmZmDP///wgAAAAAAAAAAAAAAAAAAAAAAAAAAAAAAAAAAAAAZAAAAAEAAABAAAAAAAAAAAAAAAAAAAAAAAAAAAAAAAAAAAAAAAAAAAAAAAAAAAAAAAAAAAAAAAAAAAAAAAAAAAAAAAAAAAAAAAAAAAAAAAAAAAAAAAAAAAAAAAAAAAAAFAAAADwAAAAAAAAAAAAAAAAAAAkUAAAAAQAAABQAAAAUAAAAFAAAAAEAAAAAAAAAZAAAAGQAAAAAAAAAZAAAAGQAAAAVAAAAYAAAAAAAAAAAAAAADwAAACADAAAAAAAAAAAAAAEAAACgMgAAVgcAAKr4//8BAAAAf39/AAEAAABkAAAAAAAAABQAAABAHwAAAAAAACYAAAAAAAAAwOD//wAAAAAmAAAAZAAAABYAAABMAAAAAAAAAAAAAAAEAAAAAAAAAAEAAADn5uYKAAAAACgAAAAoAAAAZAAAAGQAAAAAAAAAzMzMAAAAAABQAAAAUAAAAGQAAABkAAAAAAAAABcAAAAUAAAAAAAAAAAAAAD/fwAA/38AAAAAAAAJAAAABAAAAM20ov8MAAAAEAAAAAAAAAAAAAAAAAAAAAAAAAAeAAAAaAAAAAAAAAAAAAAAAAAAAAAAAAAAAAAAECcAABAnAAAAAAAAAAAAAAAAAAAAAAAAAAAAAAAAAAAAAAAAAAAAABQAAAAAAAAAwMD/AAAAAABkAAAAMgAAAAAAAABkAAAAAAAAAH9/fwAKAAAAHwAAAFQAAAAAAAAFAAAAAQAAAAAAAAAAAAAAAAAAAAAAAAAAAAAAAAAAAAAAAAAAAAAAAn9/fwAAAAADzMzMAMDA/wB/f38AAAAAAAAAAAAAAAAAAAAAAAAAAAAhAAAAGAAAABQAAAAoBQAAPwIAANhFAABnCgAAEAAAACYAAAAIAAAAAAAAAAAAAAA="/>
+                <pr:smNativeData xmlns:pr="smNativeData" xmlns:p14="http://schemas.microsoft.com/office/powerpoint/2010/main" xmlns="" val="SMDATA_13_bZFGXhMAAAAlAAAAZAAAAA0AAAAAkAAAAEgAAACQAAAASAAAAAAAAAABAAAAAAAAAAEAAABQAAAAAAAAAAAA4D8AAAAAAADgPwAAAAAAAOA/AAAAAAAA4D8AAAAAAADgPwAAAAAAAOA/AAAAAAAA4D8AAAAAAADgPwAAAAAAAOA/AAAAAAAA4D8CAAAAjAAAAAAAAAAAAAAAZmZmDP///wgAAAAAAAAAAAAAAAAAAAAAAAAAAAAAAAAAAAAAZAAAAAEAAABAAAAAAAAAAAAAAAAAAAAAAAAAAAAAAAAAAAAAAAAAAAAAAAAAAAAAAAAAAAAAAAAAAAAAAAAAAAAAAAAAAAAAAAAAAAAAAAAAAAAAAAAAAAAAAAAAAAAAFAAAADwAAAAAAAAAAAAAAAAAAAkUAAAAAQAAABQAAAAUAAAAFAAAAAEAAAAAAAAAZAAAAGQAAAAAAAAAZAAAAGQAAAAVAAAAYAAAAAAAAAAAAAAADwAAACADAAAAAAAAAAAAAAEAAACgMgAAVgcAAKr4//8BAAAAf39/AAEAAABkAAAAAAAAABQAAABAHwAAAAAAACYAAAAAAAAAwOD//wAAAAAmAAAAZAAAABYAAABMAAAAAAAAAAAAAAAEAAAAAAAAAAEAAADn5uYKAAAAACgAAAAoAAAAZAAAAGQAAAAAAAAAzMzMAAAAAABQAAAAUAAAAGQAAABkAAAAAAAAABcAAAAUAAAAAAAAAAAAAAD/fwAA/38AAAAAAAAJAAAABAAAAM20ov8MAAAAEAAAAAAAAAAAAAAAAAAAAAAAAAAeAAAAaAAAAAAAAAAAAAAAAAAAAAAAAAAAAAAAECcAABAnAAAAAAAAAAAAAAAAAAAAAAAAAAAAAAAAAAAAAAAAAAAAABQAAAAAAAAAwMD/AAAAAABkAAAAMgAAAAAAAABkAAAAAAAAAH9/fwAKAAAAHwAAAFQAAAAAAAAFAAAAAQAAAAAAAAAAAAAAAAAAAAAAAAAAAAAAAAAAAAAAAAAAAAAAAn9/fwAAAAADzMzMAMDA/wB/f38AAAAAAAAAAAAAAAAAAAAAAAAAAAAhAAAAGAAAABQAAAAoBQAAPwIAANhFAABnCgAAEAAAACYAAAAIAAAAAAAAAAAAAAA="/>
               </a:ext>
             </a:extLst>
           </p:cNvSpPr>
@@ -624,7 +628,7 @@
             <a:spLocks noGrp="1" noChangeArrowheads="1"/>
             <a:extLst>
               <a:ext uri="smNativeData">
-                <pr:smNativeData xmlns="" xmlns:p14="http://schemas.microsoft.com/office/powerpoint/2010/main" xmlns:pr="smNativeData" val="SMDATA_13_bZFGXhMAAAAlAAAAZAAAAA0AAAAAkAAAAEgAAACQAAAASAAAAAAAAAABAAAAAAAAAAEAAABQAAAAAAAAAAAA4D8AAAAAAADgPwAAAAAAAOA/AAAAAAAA4D8AAAAAAADgPwAAAAAAAOA/AAAAAAAA4D8AAAAAAADgPwAAAAAAAOA/AAAAAAAA4D8CAAAAjAAAAAAAAAAAAAAA////AP///wgAAAAAAAAAAAAAAAAAAAAAAAAAAAAAAAAAAAAAeAAAAAEAAABAAAAAAAAAAAAAAABaAAAAAAAAAAAAAAAAAAAAAAAAAAAAAAAAAAAAAAAAAAAAAAAAAAAAAAAAAAAAAAAAAAAAAAAAAAAAAAAAAAAAAAAAAAAAAAAAAAAAFAAAADwAAAAAAAAAAAAAAAAAAAAPAAAAAQAAACMAAAAjAAAAIwAAAB4AAAAAAAAAZAAAAGQAAAAAAAAAZAAAAGQAAAAVAAAAYAAAAAAAAAAAAAAADwAAACADAAAAAAAAAAAAAAEAAACgMgAAVgcAAKr4//8BAAAAf39/AAEAAABkAAAAAAAAABQAAABAHwAAAAAAACYAAAAAAAAAwOD//wAAAAAmAAAAZAAAABYAAABMAAAAAAAAAAAAAAAEAAAAAAAAAAEAAADn5uYKAAAAACgAAAAoAAAAZAAAAGQAAAAAAAAAzMzMAAAAAABQAAAAUAAAAGQAAABkAAAAAAAAABcAAAAUAAAAAAAAAAAAAAD/fwAA/38AAAAAAAAJAAAABAAAAAAAAAAMAAAAEAAAAAAAAAAAAAAAAAAAAAAAAAAeAAAAaAAAAAAAAAAAAAAAAAAAAAAAAAAAAAAAECcAABAnAAAAAAAAAAAAAAAAAAAAAAAAAAAAAAAAAAAAAAAAAAAAABQAAAAAAAAAwMD/AAAAAABkAAAAMgAAAAAAAABkAAAAAAAAAH9/fwAKAAAAHwAAAFQAAAD///8AAAAAAQAAAAAAAAAAAAAAAAAAAAAAAAAAAAAAAAAAAAAAAAAAAAAAAH9/fwAAAAADzMzMAMDA/wB/f38AAAAAAAAAAAAAAAAAAAAAAAAAAAAhAAAAGAAAABQAAAAoBQAAPwIAANhFAABnCgAAEAAAACYAAAAIAAAAvy8AAAAAAAA="/>
+                <pr:smNativeData xmlns:pr="smNativeData" xmlns:p14="http://schemas.microsoft.com/office/powerpoint/2010/main" xmlns="" val="SMDATA_13_bZFGXhMAAAAlAAAAZAAAAA0AAAAAkAAAAEgAAACQAAAASAAAAAAAAAABAAAAAAAAAAEAAABQAAAAAAAAAAAA4D8AAAAAAADgPwAAAAAAAOA/AAAAAAAA4D8AAAAAAADgPwAAAAAAAOA/AAAAAAAA4D8AAAAAAADgPwAAAAAAAOA/AAAAAAAA4D8CAAAAjAAAAAAAAAAAAAAA////AP///wgAAAAAAAAAAAAAAAAAAAAAAAAAAAAAAAAAAAAAeAAAAAEAAABAAAAAAAAAAAAAAABaAAAAAAAAAAAAAAAAAAAAAAAAAAAAAAAAAAAAAAAAAAAAAAAAAAAAAAAAAAAAAAAAAAAAAAAAAAAAAAAAAAAAAAAAAAAAAAAAAAAAFAAAADwAAAAAAAAAAAAAAAAAAAAPAAAAAQAAACMAAAAjAAAAIwAAAB4AAAAAAAAAZAAAAGQAAAAAAAAAZAAAAGQAAAAVAAAAYAAAAAAAAAAAAAAADwAAACADAAAAAAAAAAAAAAEAAACgMgAAVgcAAKr4//8BAAAAf39/AAEAAABkAAAAAAAAABQAAABAHwAAAAAAACYAAAAAAAAAwOD//wAAAAAmAAAAZAAAABYAAABMAAAAAAAAAAAAAAAEAAAAAAAAAAEAAADn5uYKAAAAACgAAAAoAAAAZAAAAGQAAAAAAAAAzMzMAAAAAABQAAAAUAAAAGQAAABkAAAAAAAAABcAAAAUAAAAAAAAAAAAAAD/fwAA/38AAAAAAAAJAAAABAAAAAAAAAAMAAAAEAAAAAAAAAAAAAAAAAAAAAAAAAAeAAAAaAAAAAAAAAAAAAAAAAAAAAAAAAAAAAAAECcAABAnAAAAAAAAAAAAAAAAAAAAAAAAAAAAAAAAAAAAAAAAAAAAABQAAAAAAAAAwMD/AAAAAABkAAAAMgAAAAAAAABkAAAAAAAAAH9/fwAKAAAAHwAAAFQAAAD///8AAAAAAQAAAAAAAAAAAAAAAAAAAAAAAAAAAAAAAAAAAAAAAAAAAAAAAH9/fwAAAAADzMzMAMDA/wB/f38AAAAAAAAAAAAAAAAAAAAAAAAAAAAhAAAAGAAAABQAAAAoBQAAPwIAANhFAABnCgAAEAAAACYAAAAIAAAAvy8AAAAAAAA="/>
               </a:ext>
             </a:extLst>
           </p:cNvSpPr>
@@ -666,7 +670,7 @@
             <a:spLocks noGrp="1" noChangeArrowheads="1"/>
             <a:extLst>
               <a:ext uri="smNativeData">
-                <pr:smNativeData xmlns="" xmlns:p14="http://schemas.microsoft.com/office/powerpoint/2010/main" xmlns:pr="smNativeData" val="SMDATA_13_bZFGXhMAAAAlAAAAZAAAAA0AAAAAkAAAAEgAAACQAAAASAAAAAAAAAAAAAAAAAAAAAEAAABQAAAAAAAAAAAA4D8AAAAAAADgPwAAAAAAAOA/AAAAAAAA4D8AAAAAAADgPwAAAAAAAOA/AAAAAAAA4D8AAAAAAADgPwAAAAAAAOA/AAAAAAAA4D8CAAAAjAAAAAAAAAAAAAAA////AP///wgAAAAAAAAAAAAAAAAAAAAAAAAAAAAAAAAAAAAAeAAAAAEAAABAAAAAAAAAAAAAAABaAAAAAAAAAAAAAAAAAAAAAAAAAAAAAAAAAAAAAAAAAAAAAAAAAAAAAAAAAAAAAAAAAAAAAAAAAAAAAAAAAAAAAAAAAAAAAAAAAAAAFAAAADwAAAAAAAAAAAAAAAAAAAAPAAAAAQAAACMAAAAjAAAAIwAAAB4AAAAAAAAAZAAAAGQAAAAAAAAAZAAAAGQAAAAVAAAAYAAAAAAAAAAAAAAADwAAACADAAAAAAAAAAAAAAEAAACgMgAAVgcAAKr4//8BAAAAf39/AAEAAABkAAAAAAAAABQAAABAHwAAAAAAACYAAAAAAAAAwOD//wAAAAAmAAAAZAAAABYAAABMAAAAAAAAAAAAAAAEAAAAAAAAAAEAAADn5uYKAAAAACgAAAAoAAAAZAAAAGQAAAAAAAAAzMzMAAAAAABQAAAAUAAAAGQAAABkAAAAAAAAABcAAAAUAAAAAAAAAAAAAAD/fwAA/38AAAAAAAAJAAAABAAAAAADAAEMAAAAEAAAAAAAAAAAAAAAAAAAAAAAAAAeAAAAaAAAAAAAAAAAAAAAAAAAAAAAAAAAAAAAECcAABAnAAAAAAAAAAAAAAAAAAAAAAAAAAAAAAAAAAAAAAAAAAAAABQAAAAAAAAAwMD/AAAAAABkAAAAMgAAAAAAAABkAAAAAAAAAH9/fwAKAAAAHwAAAFQAAAD///8AAAAAAQAAAAAAAAAAAAAAAAAAAAAAAAAAAAAAAAAAAAAAAAAAAAAAAH9/fwAAAAADzMzMAMDA/wB/f38AAAAAAAAAAAAAAAAAAAAAAAAAAAAhAAAAGAAAABQAAAAoBQAAOwsAANhFAAAAJgAAEAAAACYAAAAIAAAAPy8AAAAAAAA="/>
+                <pr:smNativeData xmlns:pr="smNativeData" xmlns:p14="http://schemas.microsoft.com/office/powerpoint/2010/main" xmlns="" val="SMDATA_13_bZFGXhMAAAAlAAAAZAAAAA0AAAAAkAAAAEgAAACQAAAASAAAAAAAAAAAAAAAAAAAAAEAAABQAAAAAAAAAAAA4D8AAAAAAADgPwAAAAAAAOA/AAAAAAAA4D8AAAAAAADgPwAAAAAAAOA/AAAAAAAA4D8AAAAAAADgPwAAAAAAAOA/AAAAAAAA4D8CAAAAjAAAAAAAAAAAAAAA////AP///wgAAAAAAAAAAAAAAAAAAAAAAAAAAAAAAAAAAAAAeAAAAAEAAABAAAAAAAAAAAAAAABaAAAAAAAAAAAAAAAAAAAAAAAAAAAAAAAAAAAAAAAAAAAAAAAAAAAAAAAAAAAAAAAAAAAAAAAAAAAAAAAAAAAAAAAAAAAAAAAAAAAAFAAAADwAAAAAAAAAAAAAAAAAAAAPAAAAAQAAACMAAAAjAAAAIwAAAB4AAAAAAAAAZAAAAGQAAAAAAAAAZAAAAGQAAAAVAAAAYAAAAAAAAAAAAAAADwAAACADAAAAAAAAAAAAAAEAAACgMgAAVgcAAKr4//8BAAAAf39/AAEAAABkAAAAAAAAABQAAABAHwAAAAAAACYAAAAAAAAAwOD//wAAAAAmAAAAZAAAABYAAABMAAAAAAAAAAAAAAAEAAAAAAAAAAEAAADn5uYKAAAAACgAAAAoAAAAZAAAAGQAAAAAAAAAzMzMAAAAAABQAAAAUAAAAGQAAABkAAAAAAAAABcAAAAUAAAAAAAAAAAAAAD/fwAA/38AAAAAAAAJAAAABAAAAAADAAEMAAAAEAAAAAAAAAAAAAAAAAAAAAAAAAAeAAAAaAAAAAAAAAAAAAAAAAAAAAAAAAAAAAAAECcAABAnAAAAAAAAAAAAAAAAAAAAAAAAAAAAAAAAAAAAAAAAAAAAABQAAAAAAAAAwMD/AAAAAABkAAAAMgAAAAAAAABkAAAAAAAAAH9/fwAKAAAAHwAAAFQAAAD///8AAAAAAQAAAAAAAAAAAAAAAAAAAAAAAAAAAAAAAAAAAAAAAAAAAAAAAH9/fwAAAAADzMzMAMDA/wB/f38AAAAAAAAAAAAAAAAAAAAAAAAAAAAhAAAAGAAAABQAAAAoBQAAOwsAANhFAAAAJgAAEAAAACYAAAAIAAAAPy8AAAAAAAA="/>
               </a:ext>
             </a:extLst>
           </p:cNvSpPr>
@@ -739,7 +743,7 @@
           <p:cNvSpPr>
             <a:extLst>
               <a:ext uri="smNativeData">
-                <pr:smNativeData xmlns="" xmlns:p14="http://schemas.microsoft.com/office/powerpoint/2010/main" xmlns:pr="smNativeData" val="SMDATA_13_bZFGXhMAAAAlAAAAZAAAAA0AAAAAkAAAAEgAAACQAAAASAAAAAAAAAABAAAAAAAAAAEAAABQAAAAAAAAAAAA4D8AAAAAAADgPwAAAAAAAOA/AAAAAAAA4D8AAAAAAADgPwAAAAAAAOA/AAAAAAAA4D8AAAAAAADgPwAAAAAAAOA/AAAAAAAA4D8CAAAAjAAAAAEAAAAAAAAAMki1Df///wgAAAAAAAAAAAAAAAAAAAAAAAAAAAAAAAAAAAAAZAAAAAEAAABAAAAAAAAAAAAAAAAAAAAAAAAAAAAAAAAAAAAAAAAAAAAAAAAAAAAAAAAAAAAAAAAAAAAAAAAAAAAAAAAAAAAAAAAAAAAAAAAAAAAAAAAAAAAAAAAAAAAAFAAAADwAAAAAAAAAAAAAAExMTAAUAAAAAQAAABQAAAAUAAAAFAAAAAEAAAAAAAAAZAAAAGQAAAAAAAAAZAAAAGQAAAAVAAAAYAAAAAAAAAAAAAAADwAAACADAAAAAAAAAAAAAAEAAACgMgAAVgcAAKr4//8BAAAAf39/AAEAAABkAAAAAAAAABQAAABAHwAAAAAAACYAAAAAAAAAwOD//wAAAAAmAAAAZAAAABYAAABMAAAAAAAAAAAAAAAEAAAAAAAAAAEAAADn5uYKAAAAACgAAAAoAAAAZAAAAGQAAAAAAAAAzMzMAAAAAABQAAAAUAAAAGQAAABkAAAAAAAAABcAAAAUAAAAAAAAAAAAAAD/fwAA/38AAAAAAAAJAAAABAAAAAAAAAAMAAAAEAAAAAAAAAAAAAAAAAAAAAAAAAAeAAAAaAAAAAAAAAAAAAAAAAAAAAAAAAAAAAAAECcAABAnAAAAAAAAAAAAAAAAAAAAAAAAAAAAAAAAAAAAAAAAAAAAABQAAAAAAAAAwMD/AAAAAABkAAAAMgAAAAAAAABkAAAAAAAAAH9/fwAKAAAAHwAAAFQAAAAySLUG////AQAAAAAAAAAAAAAAAAAAAAAAAAAAAAAAAAAAAAAAAAAATExMAH9/fwDn5uYDzMzMAMDA/wB/f38AAAAAAAAAAAAAAAAAAAAAAAAAAAAhAAAAGAAAABQAAAAAAAAAAAAAAABLAABlAAAAEAAAACYAAAAIAAAA//////////8="/>
+                <pr:smNativeData xmlns:pr="smNativeData" xmlns:p14="http://schemas.microsoft.com/office/powerpoint/2010/main" xmlns="" val="SMDATA_13_bZFGXhMAAAAlAAAAZAAAAA0AAAAAkAAAAEgAAACQAAAASAAAAAAAAAABAAAAAAAAAAEAAABQAAAAAAAAAAAA4D8AAAAAAADgPwAAAAAAAOA/AAAAAAAA4D8AAAAAAADgPwAAAAAAAOA/AAAAAAAA4D8AAAAAAADgPwAAAAAAAOA/AAAAAAAA4D8CAAAAjAAAAAEAAAAAAAAAMki1Df///wgAAAAAAAAAAAAAAAAAAAAAAAAAAAAAAAAAAAAAZAAAAAEAAABAAAAAAAAAAAAAAAAAAAAAAAAAAAAAAAAAAAAAAAAAAAAAAAAAAAAAAAAAAAAAAAAAAAAAAAAAAAAAAAAAAAAAAAAAAAAAAAAAAAAAAAAAAAAAAAAAAAAAFAAAADwAAAAAAAAAAAAAAExMTAAUAAAAAQAAABQAAAAUAAAAFAAAAAEAAAAAAAAAZAAAAGQAAAAAAAAAZAAAAGQAAAAVAAAAYAAAAAAAAAAAAAAADwAAACADAAAAAAAAAAAAAAEAAACgMgAAVgcAAKr4//8BAAAAf39/AAEAAABkAAAAAAAAABQAAABAHwAAAAAAACYAAAAAAAAAwOD//wAAAAAmAAAAZAAAABYAAABMAAAAAAAAAAAAAAAEAAAAAAAAAAEAAADn5uYKAAAAACgAAAAoAAAAZAAAAGQAAAAAAAAAzMzMAAAAAABQAAAAUAAAAGQAAABkAAAAAAAAABcAAAAUAAAAAAAAAAAAAAD/fwAA/38AAAAAAAAJAAAABAAAAAAAAAAMAAAAEAAAAAAAAAAAAAAAAAAAAAAAAAAeAAAAaAAAAAAAAAAAAAAAAAAAAAAAAAAAAAAAECcAABAnAAAAAAAAAAAAAAAAAAAAAAAAAAAAAAAAAAAAAAAAAAAAABQAAAAAAAAAwMD/AAAAAABkAAAAMgAAAAAAAABkAAAAAAAAAH9/fwAKAAAAHwAAAFQAAAAySLUG////AQAAAAAAAAAAAAAAAAAAAAAAAAAAAAAAAAAAAAAAAAAATExMAH9/fwDn5uYDzMzMAMDA/wB/f38AAAAAAAAAAAAAAAAAAAAAAAAAAAAhAAAAGAAAABQAAAAAAAAAAAAAAABLAABlAAAAEAAAACYAAAAIAAAA//////////8="/>
               </a:ext>
             </a:extLst>
           </p:cNvSpPr>
@@ -786,7 +790,7 @@
             <a:picLocks noChangeAspect="1"/>
             <a:extLst>
               <a:ext uri="smNativeData">
-                <pr:smNativeData xmlns="" xmlns:p14="http://schemas.microsoft.com/office/powerpoint/2010/main" xmlns:pr="smNativeData" val="SMDATA_15_bZFGXhMAAAAlAAAAEQAAAC0AAAAAkAAAAEgAAACQAAAASAAAAAAAAAAAAAAAAAAAAAEAAABQAAAAAAAAAAAA4D8AAAAAAADgPwAAAAAAAOA/AAAAAAAA4D8AAAAAAADgPwAAAAAAAOA/AAAAAAAA4D8AAAAAAADgPwAAAAAAAOA/AAAAAAAA4D8CAAAAjAAAAAAAAAAAAAAAZmZmDP///wgAAAAAAAAAAAAAAAAAAAAAAAAAAAAAAAAAAAAAZAAAAAEAAABAAAAAAAAAAAAAAAAAAAAAAAAAAAAAAAAAAAAAAAAAAAAAAAAAAAAAAAAAAAAAAAAAAAAAAAAAAAAAAAAAAAAAAAAAAAAAAAAAAAAAAAAAAAAAAAAAAAAAFAAAADwAAAAAAAAAAAAAAAAAAAkUAAAAAQAAABQAAAAUAAAAFAAAAAEAAAAAAAAAZAAAAGQAAAAAAAAAZAAAAGQAAAAVAAAAYAAAAAAAAAAAAAAADwAAACADAAAAAAAAAAAAAAEAAACgMgAAVgcAAKr4//8BAAAAf39/AAEAAABkAAAAAAAAABQAAABAHwAAAAAAACYAAAAAAAAAwOD//wAAAAAmAAAAZAAAABYAAABMAAAAAAAAAAAAAAAEAAAAAAAAAAEAAADn5uYKAAAAACgAAAAoAAAAZAAAAGQAAAAAAAAAzMzMAAAAAABQAAAAUAAAAGQAAABkAAAAAAAAAAcAAAA4AAAAAAAAAAAAAAAAAAAA////AAAAAAAAAAAAAAAAAAAAAAAAAAAAAAAAAAAAAABkAAAAZAAAAAAAAAAjAAAABAAAAGQAAAAXAAAAFAAAAAAAAAAAAAAA/38AAP9/AAAAAAAACQAAAAQAAAAAAAAADAAAABAAAAAAAAAAAAAAAAAAAAAAAAAAHgAAAGgAAAAAAAAAAAAAAAAAAAAAAAAAAAAAABAnAAAQJwAAAAAAAAAAAAAAAAAAAAAAAAAAAAAAAAAAAAAAAAAAAAAUAAAAAAAAAMDA/wAAAAAAZAAAADIAAAAAAAAAZAAAAAAAAAB/f38ACgAAAB8AAABUAAAAZmZmBf///wEAAAAAAAAAAAAAAAAAAAAAAAAAAAAAAAAAAAAAAAAAAAAAAAJ/f38A5+bmA8zMzADAwP8Af39/AAAAAAAAAAAAAAAAAP///wAAAAAAIQAAABgAAAAUAAAAlgEAAEoBAAA2AwAAAgMAABAAAAAmAAAACAAAAP//////////"/>
+                <pr:smNativeData xmlns:pr="smNativeData" xmlns:p14="http://schemas.microsoft.com/office/powerpoint/2010/main" xmlns="" val="SMDATA_15_bZFGXhMAAAAlAAAAEQAAAC0AAAAAkAAAAEgAAACQAAAASAAAAAAAAAAAAAAAAAAAAAEAAABQAAAAAAAAAAAA4D8AAAAAAADgPwAAAAAAAOA/AAAAAAAA4D8AAAAAAADgPwAAAAAAAOA/AAAAAAAA4D8AAAAAAADgPwAAAAAAAOA/AAAAAAAA4D8CAAAAjAAAAAAAAAAAAAAAZmZmDP///wgAAAAAAAAAAAAAAAAAAAAAAAAAAAAAAAAAAAAAZAAAAAEAAABAAAAAAAAAAAAAAAAAAAAAAAAAAAAAAAAAAAAAAAAAAAAAAAAAAAAAAAAAAAAAAAAAAAAAAAAAAAAAAAAAAAAAAAAAAAAAAAAAAAAAAAAAAAAAAAAAAAAAFAAAADwAAAAAAAAAAAAAAAAAAAkUAAAAAQAAABQAAAAUAAAAFAAAAAEAAAAAAAAAZAAAAGQAAAAAAAAAZAAAAGQAAAAVAAAAYAAAAAAAAAAAAAAADwAAACADAAAAAAAAAAAAAAEAAACgMgAAVgcAAKr4//8BAAAAf39/AAEAAABkAAAAAAAAABQAAABAHwAAAAAAACYAAAAAAAAAwOD//wAAAAAmAAAAZAAAABYAAABMAAAAAAAAAAAAAAAEAAAAAAAAAAEAAADn5uYKAAAAACgAAAAoAAAAZAAAAGQAAAAAAAAAzMzMAAAAAABQAAAAUAAAAGQAAABkAAAAAAAAAAcAAAA4AAAAAAAAAAAAAAAAAAAA////AAAAAAAAAAAAAAAAAAAAAAAAAAAAAAAAAAAAAABkAAAAZAAAAAAAAAAjAAAABAAAAGQAAAAXAAAAFAAAAAAAAAAAAAAA/38AAP9/AAAAAAAACQAAAAQAAAAAAAAADAAAABAAAAAAAAAAAAAAAAAAAAAAAAAAHgAAAGgAAAAAAAAAAAAAAAAAAAAAAAAAAAAAABAnAAAQJwAAAAAAAAAAAAAAAAAAAAAAAAAAAAAAAAAAAAAAAAAAAAAUAAAAAAAAAMDA/wAAAAAAZAAAADIAAAAAAAAAZAAAAAAAAAB/f38ACgAAAB8AAABUAAAAZmZmBf///wEAAAAAAAAAAAAAAAAAAAAAAAAAAAAAAAAAAAAAAAAAAAAAAAJ/f38A5+bmA8zMzADAwP8Af39/AAAAAAAAAAAAAAAAAP///wAAAAAAIQAAABgAAAAUAAAAlgEAAEoBAAA2AwAAAgMAABAAAAAmAAAACAAAAP//////////"/>
               </a:ext>
             </a:extLst>
           </p:cNvPicPr>
@@ -819,7 +823,7 @@
           <p:cNvSpPr>
             <a:extLst>
               <a:ext uri="smNativeData">
-                <pr:smNativeData xmlns="" xmlns:p14="http://schemas.microsoft.com/office/powerpoint/2010/main" xmlns:pr="smNativeData" val="SMDATA_13_bZFGXhMAAAAlAAAAZAAAAA0AAAAAkAAAAEgAAACQAAAASAAAAAAAAAABAAAAAAAAAAEAAABQAAAAAAAAAAAA4D8AAAAAAADgPwAAAAAAAOA/AAAAAAAA4D8AAAAAAADgPwAAAAAAAOA/AAAAAAAA4D8AAAAAAADgPwAAAAAAAOA/AAAAAAAA4D8CAAAAjAAAAAEAAAAAAAAAQafRAP///wgAAAAAAAAAAAAAAAAAAAAAAAAAAAAAAAAAAAAAZAAAAAEAAABAAAAAAAAAAAAAAAAAAAAAAAAAAAAAAAAAAAAAAAAAAAAAAAAAAAAAAAAAAAAAAAAAAAAAAAAAAAAAAAAAAAAAAAAAAAAAAAAAAAAAAAAAAAAAAAAAAAAAFAAAADwAAAAAAAAAAAAAAExMTAAUAAAAAQAAABQAAAAUAAAAFAAAAAEAAAAAAAAAZAAAAGQAAAAAAAAAZAAAAGQAAAAVAAAAYAAAAAAAAAAAAAAADwAAACADAAAAAAAAAAAAAAEAAACgMgAAVgcAAKr4//8BAAAAf39/AAEAAABkAAAAAAAAABQAAABAHwAAAAAAACYAAAAAAAAAwOD//wAAAAAmAAAAZAAAABYAAABMAAAAAAAAAAAAAAAEAAAAAAAAAAEAAADn5uYKAAAAACgAAAAoAAAAZAAAAGQAAAAAAAAAzMzMAAAAAABQAAAAUAAAAGQAAABkAAAAAAAAABcAAAAUAAAAAAAAAAAAAAD/fwAA/38AAAAAAAAJAAAABAAAAAAAAAAMAAAAEAAAAAAAAAAAAAAAAAAAAAAAAAAeAAAAaAAAAAAAAAAAAAAAAAAAAAAAAAAAAAAAECcAABAnAAAAAAAAAAAAAAAAAAAAAAAAAAAAAAAAAAAAAAAAAAAAABQAAAAAAAAAwMD/AAAAAABkAAAAMgAAAAAAAABkAAAAAAAAAH9/fwAKAAAAHwAAAFQAAABBp9EA////AQAAAAAAAAAAAAAAAAAAAAAAAAAAAAAAAAAAAAAAAAAATExMAH9/fwDn5uYDzMzMAMDA/wB/f38AAAAAAAAAAAAAAAAAAAAAAAAAAAAhAAAAGAAAABQAAADPNwAAyikAAJs8AAAwKgAAEAAAACYAAAAIAAAA//////////8="/>
+                <pr:smNativeData xmlns:pr="smNativeData" xmlns:p14="http://schemas.microsoft.com/office/powerpoint/2010/main" xmlns="" val="SMDATA_13_bZFGXhMAAAAlAAAAZAAAAA0AAAAAkAAAAEgAAACQAAAASAAAAAAAAAABAAAAAAAAAAEAAABQAAAAAAAAAAAA4D8AAAAAAADgPwAAAAAAAOA/AAAAAAAA4D8AAAAAAADgPwAAAAAAAOA/AAAAAAAA4D8AAAAAAADgPwAAAAAAAOA/AAAAAAAA4D8CAAAAjAAAAAEAAAAAAAAAQafRAP///wgAAAAAAAAAAAAAAAAAAAAAAAAAAAAAAAAAAAAAZAAAAAEAAABAAAAAAAAAAAAAAAAAAAAAAAAAAAAAAAAAAAAAAAAAAAAAAAAAAAAAAAAAAAAAAAAAAAAAAAAAAAAAAAAAAAAAAAAAAAAAAAAAAAAAAAAAAAAAAAAAAAAAFAAAADwAAAAAAAAAAAAAAExMTAAUAAAAAQAAABQAAAAUAAAAFAAAAAEAAAAAAAAAZAAAAGQAAAAAAAAAZAAAAGQAAAAVAAAAYAAAAAAAAAAAAAAADwAAACADAAAAAAAAAAAAAAEAAACgMgAAVgcAAKr4//8BAAAAf39/AAEAAABkAAAAAAAAABQAAABAHwAAAAAAACYAAAAAAAAAwOD//wAAAAAmAAAAZAAAABYAAABMAAAAAAAAAAAAAAAEAAAAAAAAAAEAAADn5uYKAAAAACgAAAAoAAAAZAAAAGQAAAAAAAAAzMzMAAAAAABQAAAAUAAAAGQAAABkAAAAAAAAABcAAAAUAAAAAAAAAAAAAAD/fwAA/38AAAAAAAAJAAAABAAAAAAAAAAMAAAAEAAAAAAAAAAAAAAAAAAAAAAAAAAeAAAAaAAAAAAAAAAAAAAAAAAAAAAAAAAAAAAAECcAABAnAAAAAAAAAAAAAAAAAAAAAAAAAAAAAAAAAAAAAAAAAAAAABQAAAAAAAAAwMD/AAAAAABkAAAAMgAAAAAAAABkAAAAAAAAAH9/fwAKAAAAHwAAAFQAAABBp9EA////AQAAAAAAAAAAAAAAAAAAAAAAAAAAAAAAAAAAAAAAAAAATExMAH9/fwDn5uYDzMzMAMDA/wB/f38AAAAAAAAAAAAAAAAAAAAAAAAAAAAhAAAAGAAAABQAAADPNwAAyikAAJs8AAAwKgAAEAAAACYAAAAIAAAA//////////8="/>
               </a:ext>
             </a:extLst>
           </p:cNvSpPr>
@@ -865,7 +869,7 @@
           <p:cNvSpPr>
             <a:extLst>
               <a:ext uri="smNativeData">
-                <pr:smNativeData xmlns="" xmlns:p14="http://schemas.microsoft.com/office/powerpoint/2010/main" xmlns:pr="smNativeData" val="SMDATA_13_bZFGXhMAAAAlAAAAZAAAAA0AAAAAkAAAAEgAAACQAAAASAAAAAAAAAABAAAAAAAAAAEAAABQAAAAAAAAAAAA4D8AAAAAAADgPwAAAAAAAOA/AAAAAAAA4D8AAAAAAADgPwAAAAAAAOA/AAAAAAAA4D8AAAAAAADgPwAAAAAAAOA/AAAAAAAA4D8CAAAAjAAAAAEAAAAAAAAAdL89AP///wgAAAAAAAAAAAAAAAAAAAAAAAAAAAAAAAAAAAAAZAAAAAEAAABAAAAAAAAAAAAAAAAAAAAAAAAAAAAAAAAAAAAAAAAAAAAAAAAAAAAAAAAAAAAAAAAAAAAAAAAAAAAAAAAAAAAAAAAAAAAAAAAAAAAAAAAAAAAAAAAAAAAAFAAAADwAAAAAAAAAAAAAAExMTAAUAAAAAQAAABQAAAAUAAAAFAAAAAEAAAAAAAAAZAAAAGQAAAAAAAAAZAAAAGQAAAAVAAAAYAAAAAAAAAAAAAAADwAAACADAAAAAAAAAAAAAAEAAACgMgAAVgcAAKr4//8BAAAAf39/AAEAAABkAAAAAAAAABQAAABAHwAAAAAAACYAAAAAAAAAwOD//wAAAAAmAAAAZAAAABYAAABMAAAAAAAAAAAAAAAEAAAAAAAAAAEAAADn5uYKAAAAACgAAAAoAAAAZAAAAGQAAAAAAAAAzMzMAAAAAABQAAAAUAAAAGQAAABkAAAAAAAAABcAAAAUAAAAAAAAAAAAAAD/fwAA/38AAAAAAAAJAAAABAAAAAAAAAAMAAAAEAAAAAAAAAAAAAAAAAAAAAAAAAAeAAAAaAAAAAAAAAAAAAAAAAAAAAAAAAAAAAAAECcAABAnAAAAAAAAAAAAAAAAAAAAAAAAAAAAAAAAAAAAAAAAAAAAABQAAAAAAAAAwMD/AAAAAABkAAAAMgAAAAAAAABkAAAAAAAAAH9/fwAKAAAAHwAAAFQAAAB0vz0A////AQAAAAAAAAAAAAAAAAAAAAAAAAAAAAAAAAAAAAAAAAAATExMAH9/fwDn5uYDzMzMAMDA/wB/f38AAAAAAAAAAAAAAAAAAAAAAAAAAAAhAAAAGAAAABQAAACbPAAAyikAAGhBAAAwKgAAEAAAACYAAAAIAAAA//////////8="/>
+                <pr:smNativeData xmlns:pr="smNativeData" xmlns:p14="http://schemas.microsoft.com/office/powerpoint/2010/main" xmlns="" val="SMDATA_13_bZFGXhMAAAAlAAAAZAAAAA0AAAAAkAAAAEgAAACQAAAASAAAAAAAAAABAAAAAAAAAAEAAABQAAAAAAAAAAAA4D8AAAAAAADgPwAAAAAAAOA/AAAAAAAA4D8AAAAAAADgPwAAAAAAAOA/AAAAAAAA4D8AAAAAAADgPwAAAAAAAOA/AAAAAAAA4D8CAAAAjAAAAAEAAAAAAAAAdL89AP///wgAAAAAAAAAAAAAAAAAAAAAAAAAAAAAAAAAAAAAZAAAAAEAAABAAAAAAAAAAAAAAAAAAAAAAAAAAAAAAAAAAAAAAAAAAAAAAAAAAAAAAAAAAAAAAAAAAAAAAAAAAAAAAAAAAAAAAAAAAAAAAAAAAAAAAAAAAAAAAAAAAAAAFAAAADwAAAAAAAAAAAAAAExMTAAUAAAAAQAAABQAAAAUAAAAFAAAAAEAAAAAAAAAZAAAAGQAAAAAAAAAZAAAAGQAAAAVAAAAYAAAAAAAAAAAAAAADwAAACADAAAAAAAAAAAAAAEAAACgMgAAVgcAAKr4//8BAAAAf39/AAEAAABkAAAAAAAAABQAAABAHwAAAAAAACYAAAAAAAAAwOD//wAAAAAmAAAAZAAAABYAAABMAAAAAAAAAAAAAAAEAAAAAAAAAAEAAADn5uYKAAAAACgAAAAoAAAAZAAAAGQAAAAAAAAAzMzMAAAAAABQAAAAUAAAAGQAAABkAAAAAAAAABcAAAAUAAAAAAAAAAAAAAD/fwAA/38AAAAAAAAJAAAABAAAAAAAAAAMAAAAEAAAAAAAAAAAAAAAAAAAAAAAAAAeAAAAaAAAAAAAAAAAAAAAAAAAAAAAAAAAAAAAECcAABAnAAAAAAAAAAAAAAAAAAAAAAAAAAAAAAAAAAAAAAAAAAAAABQAAAAAAAAAwMD/AAAAAABkAAAAMgAAAAAAAABkAAAAAAAAAH9/fwAKAAAAHwAAAFQAAAB0vz0A////AQAAAAAAAAAAAAAAAAAAAAAAAAAAAAAAAAAAAAAAAAAATExMAH9/fwDn5uYDzMzMAMDA/wB/f38AAAAAAAAAAAAAAAAAAAAAAAAAAAAhAAAAGAAAABQAAACbPAAAyikAAGhBAAAwKgAAEAAAACYAAAAIAAAA//////////8="/>
               </a:ext>
             </a:extLst>
           </p:cNvSpPr>
@@ -911,7 +915,7 @@
           <p:cNvSpPr>
             <a:extLst>
               <a:ext uri="smNativeData">
-                <pr:smNativeData xmlns="" xmlns:p14="http://schemas.microsoft.com/office/powerpoint/2010/main" xmlns:pr="smNativeData" val="SMDATA_13_bZFGXhMAAAAlAAAAZAAAAA0AAAAAkAAAAEgAAACQAAAASAAAAAAAAAABAAAAAAAAAAEAAABQAAAAAAAAAAAA4D8AAAAAAADgPwAAAAAAAOA/AAAAAAAA4D8AAAAAAADgPwAAAAAAAOA/AAAAAAAA4D8AAAAAAADgPwAAAAAAAOA/AAAAAAAA4D8CAAAAjAAAAAEAAAAAAAAA+6MAAP///wgAAAAAAAAAAAAAAAAAAAAAAAAAAAAAAAAAAAAAZAAAAAEAAABAAAAAAAAAAAAAAAAAAAAAAAAAAAAAAAAAAAAAAAAAAAAAAAAAAAAAAAAAAAAAAAAAAAAAAAAAAAAAAAAAAAAAAAAAAAAAAAAAAAAAAAAAAAAAAAAAAAAAFAAAADwAAAAAAAAAAAAAAExMTAAUAAAAAQAAABQAAAAUAAAAFAAAAAEAAAAAAAAAZAAAAGQAAAAAAAAAZAAAAGQAAAAVAAAAYAAAAAAAAAAAAAAADwAAACADAAAAAAAAAAAAAAEAAACgMgAAVgcAAKr4//8BAAAAf39/AAEAAABkAAAAAAAAABQAAABAHwAAAAAAACYAAAAAAAAAwOD//wAAAAAmAAAAZAAAABYAAABMAAAAAAAAAAAAAAAEAAAAAAAAAAEAAADn5uYKAAAAACgAAAAoAAAAZAAAAGQAAAAAAAAAzMzMAAAAAABQAAAAUAAAAGQAAABkAAAAAAAAABcAAAAUAAAAAAAAAAAAAAD/fwAA/38AAAAAAAAJAAAABAAAAAAAAAAMAAAAEAAAAAAAAAAAAAAAAAAAAAAAAAAeAAAAaAAAAAAAAAAAAAAAAAAAAAAAAAAAAAAAECcAABAnAAAAAAAAAAAAAAAAAAAAAAAAAAAAAAAAAAAAAAAAAAAAABQAAAAAAAAAwMD/AAAAAABkAAAAMgAAAAAAAABkAAAAAAAAAH9/fwAKAAAAHwAAAFQAAAD7owAA////AQAAAAAAAAAAAAAAAAAAAAAAAAAAAAAAAAAAAAAAAAAATExMAH9/fwDn5uYDzMzMAMDA/wB/f38AAAAAAAAAAAAAAAAAAAAAAAAAAAAhAAAAGAAAABQAAABoQQAAyikAADRGAAAwKgAAEAAAACYAAAAIAAAA//////////8="/>
+                <pr:smNativeData xmlns:pr="smNativeData" xmlns:p14="http://schemas.microsoft.com/office/powerpoint/2010/main" xmlns="" val="SMDATA_13_bZFGXhMAAAAlAAAAZAAAAA0AAAAAkAAAAEgAAACQAAAASAAAAAAAAAABAAAAAAAAAAEAAABQAAAAAAAAAAAA4D8AAAAAAADgPwAAAAAAAOA/AAAAAAAA4D8AAAAAAADgPwAAAAAAAOA/AAAAAAAA4D8AAAAAAADgPwAAAAAAAOA/AAAAAAAA4D8CAAAAjAAAAAEAAAAAAAAA+6MAAP///wgAAAAAAAAAAAAAAAAAAAAAAAAAAAAAAAAAAAAAZAAAAAEAAABAAAAAAAAAAAAAAAAAAAAAAAAAAAAAAAAAAAAAAAAAAAAAAAAAAAAAAAAAAAAAAAAAAAAAAAAAAAAAAAAAAAAAAAAAAAAAAAAAAAAAAAAAAAAAAAAAAAAAFAAAADwAAAAAAAAAAAAAAExMTAAUAAAAAQAAABQAAAAUAAAAFAAAAAEAAAAAAAAAZAAAAGQAAAAAAAAAZAAAAGQAAAAVAAAAYAAAAAAAAAAAAAAADwAAACADAAAAAAAAAAAAAAEAAACgMgAAVgcAAKr4//8BAAAAf39/AAEAAABkAAAAAAAAABQAAABAHwAAAAAAACYAAAAAAAAAwOD//wAAAAAmAAAAZAAAABYAAABMAAAAAAAAAAAAAAAEAAAAAAAAAAEAAADn5uYKAAAAACgAAAAoAAAAZAAAAGQAAAAAAAAAzMzMAAAAAABQAAAAUAAAAGQAAABkAAAAAAAAABcAAAAUAAAAAAAAAAAAAAD/fwAA/38AAAAAAAAJAAAABAAAAAAAAAAMAAAAEAAAAAAAAAAAAAAAAAAAAAAAAAAeAAAAaAAAAAAAAAAAAAAAAAAAAAAAAAAAAAAAECcAABAnAAAAAAAAAAAAAAAAAAAAAAAAAAAAAAAAAAAAAAAAAAAAABQAAAAAAAAAwMD/AAAAAABkAAAAMgAAAAAAAABkAAAAAAAAAH9/fwAKAAAAHwAAAFQAAAD7owAA////AQAAAAAAAAAAAAAAAAAAAAAAAAAAAAAAAAAAAAAAAAAATExMAH9/fwDn5uYDzMzMAMDA/wB/f38AAAAAAAAAAAAAAAAAAAAAAAAAAAAhAAAAGAAAABQAAABoQQAAyikAADRGAAAwKgAAEAAAACYAAAAIAAAA//////////8="/>
               </a:ext>
             </a:extLst>
           </p:cNvSpPr>
@@ -957,7 +961,7 @@
           <p:cNvSpPr>
             <a:extLst>
               <a:ext uri="smNativeData">
-                <pr:smNativeData xmlns="" xmlns:p14="http://schemas.microsoft.com/office/powerpoint/2010/main" xmlns:pr="smNativeData" val="SMDATA_13_bZFGXhMAAAAlAAAAZAAAAA0AAAAAkAAAAEgAAACQAAAASAAAAAAAAAABAAAAAAAAAAEAAABQAAAAAAAAAAAA4D8AAAAAAADgPwAAAAAAAOA/AAAAAAAA4D8AAAAAAADgPwAAAAAAAOA/AAAAAAAA4D8AAAAAAADgPwAAAAAAAOA/AAAAAAAA4D8CAAAAjAAAAAEAAAAAAAAA6MwAAP///wgAAAAAAAAAAAAAAAAAAAAAAAAAAAAAAAAAAAAAZAAAAAEAAABAAAAAAAAAAAAAAAAAAAAAAAAAAAAAAAAAAAAAAAAAAAAAAAAAAAAAAAAAAAAAAAAAAAAAAAAAAAAAAAAAAAAAAAAAAAAAAAAAAAAAAAAAAAAAAAAAAAAAFAAAADwAAAAAAAAAAAAAAExMTAAUAAAAAQAAABQAAAAUAAAAFAAAAAEAAAAAAAAAZAAAAGQAAAAAAAAAZAAAAGQAAAAVAAAAYAAAAAAAAAAAAAAADwAAACADAAAAAAAAAAAAAAEAAACgMgAAVgcAAKr4//8BAAAAf39/AAEAAABkAAAAAAAAABQAAABAHwAAAAAAACYAAAAAAAAAwOD//wAAAAAmAAAAZAAAABYAAABMAAAAAAAAAAAAAAAEAAAAAAAAAAEAAADn5uYKAAAAACgAAAAoAAAAZAAAAGQAAAAAAAAAzMzMAAAAAABQAAAAUAAAAGQAAABkAAAAAAAAABcAAAAUAAAAAAAAAAAAAAD/fwAA/38AAAAAAAAJAAAABAAAAIASGQEMAAAAEAAAAAAAAAAAAAAAAAAAAAAAAAAeAAAAaAAAAAAAAAAAAAAAAAAAAAAAAAAAAAAAECcAABAnAAAAAAAAAAAAAAAAAAAAAAAAAAAAAAAAAAAAAAAAAAAAABQAAAAAAAAAwMD/AAAAAABkAAAAMgAAAAAAAABkAAAAAAAAAH9/fwAKAAAAHwAAAFQAAADozAAA////AQAAAAAAAAAAAAAAAAAAAAAAAAAAAAAAAAAAAAAAAAAATExMAH9/fwDn5uYDzMzMAMDA/wB/f38AAAAAAAAAAAAAAAAAAAAAAAAAAAAhAAAAGAAAABQAAAA0RgAAyikAAABLAAAwKgAAEAAAACYAAAAIAAAA//////////8="/>
+                <pr:smNativeData xmlns:pr="smNativeData" xmlns:p14="http://schemas.microsoft.com/office/powerpoint/2010/main" xmlns="" val="SMDATA_13_bZFGXhMAAAAlAAAAZAAAAA0AAAAAkAAAAEgAAACQAAAASAAAAAAAAAABAAAAAAAAAAEAAABQAAAAAAAAAAAA4D8AAAAAAADgPwAAAAAAAOA/AAAAAAAA4D8AAAAAAADgPwAAAAAAAOA/AAAAAAAA4D8AAAAAAADgPwAAAAAAAOA/AAAAAAAA4D8CAAAAjAAAAAEAAAAAAAAA6MwAAP///wgAAAAAAAAAAAAAAAAAAAAAAAAAAAAAAAAAAAAAZAAAAAEAAABAAAAAAAAAAAAAAAAAAAAAAAAAAAAAAAAAAAAAAAAAAAAAAAAAAAAAAAAAAAAAAAAAAAAAAAAAAAAAAAAAAAAAAAAAAAAAAAAAAAAAAAAAAAAAAAAAAAAAFAAAADwAAAAAAAAAAAAAAExMTAAUAAAAAQAAABQAAAAUAAAAFAAAAAEAAAAAAAAAZAAAAGQAAAAAAAAAZAAAAGQAAAAVAAAAYAAAAAAAAAAAAAAADwAAACADAAAAAAAAAAAAAAEAAACgMgAAVgcAAKr4//8BAAAAf39/AAEAAABkAAAAAAAAABQAAABAHwAAAAAAACYAAAAAAAAAwOD//wAAAAAmAAAAZAAAABYAAABMAAAAAAAAAAAAAAAEAAAAAAAAAAEAAADn5uYKAAAAACgAAAAoAAAAZAAAAGQAAAAAAAAAzMzMAAAAAABQAAAAUAAAAGQAAABkAAAAAAAAABcAAAAUAAAAAAAAAAAAAAD/fwAA/38AAAAAAAAJAAAABAAAAIASGQEMAAAAEAAAAAAAAAAAAAAAAAAAAAAAAAAeAAAAaAAAAAAAAAAAAAAAAAAAAAAAAAAAAAAAECcAABAnAAAAAAAAAAAAAAAAAAAAAAAAAAAAAAAAAAAAAAAAAAAAABQAAAAAAAAAwMD/AAAAAABkAAAAMgAAAAAAAABkAAAAAAAAAH9/fwAKAAAAHwAAAFQAAADozAAA////AQAAAAAAAAAAAAAAAAAAAAAAAAAAAAAAAAAAAAAAAAAATExMAH9/fwDn5uYDzMzMAMDA/wB/f38AAAAAAAAAAAAAAAAAAAAAAAAAAAAhAAAAGAAAABQAAAA0RgAAyikAAABLAAAwKgAAEAAAACYAAAAIAAAA//////////8="/>
               </a:ext>
             </a:extLst>
           </p:cNvSpPr>
@@ -1896,6 +1900,231 @@
           </a:prstGeom>
         </p:spPr>
       </p:pic>
+      <p:sp>
+        <p:nvSpPr>
+          <p:cNvPr id="3" name="Textfeld 2">
+            <a:extLst>
+              <a:ext uri="{FF2B5EF4-FFF2-40B4-BE49-F238E27FC236}">
+                <a16:creationId xmlns:a16="http://schemas.microsoft.com/office/drawing/2014/main" id="{E98808AD-66C6-A44A-A21E-66C99BEB96CD}"/>
+              </a:ext>
+            </a:extLst>
+          </p:cNvPr>
+          <p:cNvSpPr txBox="1"/>
+          <p:nvPr/>
+        </p:nvSpPr>
+        <p:spPr>
+          <a:xfrm>
+            <a:off x="6587289" y="2940799"/>
+            <a:ext cx="2493760" cy="369332"/>
+          </a:xfrm>
+          <a:prstGeom prst="rect">
+            <a:avLst/>
+          </a:prstGeom>
+          <a:noFill/>
+        </p:spPr>
+        <p:txBody>
+          <a:bodyPr wrap="none" rtlCol="0">
+            <a:spAutoFit/>
+          </a:bodyPr>
+          <a:lstStyle/>
+          <a:p>
+            <a:r>
+              <a:rPr lang="de-CH" dirty="0"/>
+              <a:t>Kühlschrankbeleuchtung</a:t>
+            </a:r>
+          </a:p>
+        </p:txBody>
+      </p:sp>
+      <p:sp>
+        <p:nvSpPr>
+          <p:cNvPr id="8" name="Textfeld 7">
+            <a:extLst>
+              <a:ext uri="{FF2B5EF4-FFF2-40B4-BE49-F238E27FC236}">
+                <a16:creationId xmlns:a16="http://schemas.microsoft.com/office/drawing/2014/main" id="{E275AA76-47BB-B049-B3B2-8169CF975174}"/>
+              </a:ext>
+            </a:extLst>
+          </p:cNvPr>
+          <p:cNvSpPr txBox="1"/>
+          <p:nvPr/>
+        </p:nvSpPr>
+        <p:spPr>
+          <a:xfrm>
+            <a:off x="7241670" y="4946989"/>
+            <a:ext cx="940129" cy="369332"/>
+          </a:xfrm>
+          <a:prstGeom prst="rect">
+            <a:avLst/>
+          </a:prstGeom>
+          <a:noFill/>
+        </p:spPr>
+        <p:txBody>
+          <a:bodyPr wrap="none" rtlCol="0">
+            <a:spAutoFit/>
+          </a:bodyPr>
+          <a:lstStyle/>
+          <a:p>
+            <a:r>
+              <a:rPr lang="de-CH" dirty="0"/>
+              <a:t>Heizung</a:t>
+            </a:r>
+          </a:p>
+        </p:txBody>
+      </p:sp>
+      <p:graphicFrame>
+        <p:nvGraphicFramePr>
+          <p:cNvPr id="4" name="Tabelle 5">
+            <a:extLst>
+              <a:ext uri="{FF2B5EF4-FFF2-40B4-BE49-F238E27FC236}">
+                <a16:creationId xmlns:a16="http://schemas.microsoft.com/office/drawing/2014/main" id="{1D1EB474-5D77-554F-B942-94B71B328723}"/>
+              </a:ext>
+            </a:extLst>
+          </p:cNvPr>
+          <p:cNvGraphicFramePr>
+            <a:graphicFrameLocks noGrp="1"/>
+          </p:cNvGraphicFramePr>
+          <p:nvPr>
+            <p:extLst>
+              <p:ext uri="{D42A27DB-BD31-4B8C-83A1-F6EECF244321}">
+                <p14:modId xmlns:p14="http://schemas.microsoft.com/office/powerpoint/2010/main" val="3342471090"/>
+              </p:ext>
+            </p:extLst>
+          </p:nvPr>
+        </p:nvGraphicFramePr>
+        <p:xfrm>
+          <a:off x="2319677" y="2289951"/>
+          <a:ext cx="1235182" cy="1223505"/>
+        </p:xfrm>
+        <a:graphic>
+          <a:graphicData uri="http://schemas.openxmlformats.org/drawingml/2006/table">
+            <a:tbl>
+              <a:tblPr firstRow="1" bandRow="1">
+                <a:tableStyleId>{5C22544A-7EE6-4342-B048-85BDC9FD1C3A}</a:tableStyleId>
+              </a:tblPr>
+              <a:tblGrid>
+                <a:gridCol w="617591">
+                  <a:extLst>
+                    <a:ext uri="{9D8B030D-6E8A-4147-A177-3AD203B41FA5}">
+                      <a16:colId xmlns:a16="http://schemas.microsoft.com/office/drawing/2014/main" val="2492484511"/>
+                    </a:ext>
+                  </a:extLst>
+                </a:gridCol>
+                <a:gridCol w="617591">
+                  <a:extLst>
+                    <a:ext uri="{9D8B030D-6E8A-4147-A177-3AD203B41FA5}">
+                      <a16:colId xmlns:a16="http://schemas.microsoft.com/office/drawing/2014/main" val="1246144728"/>
+                    </a:ext>
+                  </a:extLst>
+                </a:gridCol>
+              </a:tblGrid>
+              <a:tr h="407835">
+                <a:tc>
+                  <a:txBody>
+                    <a:bodyPr/>
+                    <a:lstStyle/>
+                    <a:p>
+                      <a:pPr algn="ctr"/>
+                      <a:r>
+                        <a:rPr lang="de-CH" dirty="0"/>
+                        <a:t>A</a:t>
+                      </a:r>
+                    </a:p>
+                  </a:txBody>
+                  <a:tcPr/>
+                </a:tc>
+                <a:tc>
+                  <a:txBody>
+                    <a:bodyPr/>
+                    <a:lstStyle/>
+                    <a:p>
+                      <a:pPr algn="ctr"/>
+                      <a:r>
+                        <a:rPr lang="de-CH" dirty="0"/>
+                        <a:t>Y</a:t>
+                      </a:r>
+                    </a:p>
+                  </a:txBody>
+                  <a:tcPr/>
+                </a:tc>
+                <a:extLst>
+                  <a:ext uri="{0D108BD9-81ED-4DB2-BD59-A6C34878D82A}">
+                    <a16:rowId xmlns:a16="http://schemas.microsoft.com/office/drawing/2014/main" val="1788547896"/>
+                  </a:ext>
+                </a:extLst>
+              </a:tr>
+              <a:tr h="407835">
+                <a:tc>
+                  <a:txBody>
+                    <a:bodyPr/>
+                    <a:lstStyle/>
+                    <a:p>
+                      <a:pPr algn="ctr"/>
+                      <a:r>
+                        <a:rPr lang="de-CH" dirty="0"/>
+                        <a:t>0</a:t>
+                      </a:r>
+                    </a:p>
+                  </a:txBody>
+                  <a:tcPr/>
+                </a:tc>
+                <a:tc>
+                  <a:txBody>
+                    <a:bodyPr/>
+                    <a:lstStyle/>
+                    <a:p>
+                      <a:pPr algn="ctr"/>
+                      <a:r>
+                        <a:rPr lang="de-CH" dirty="0"/>
+                        <a:t>1</a:t>
+                      </a:r>
+                    </a:p>
+                  </a:txBody>
+                  <a:tcPr/>
+                </a:tc>
+                <a:extLst>
+                  <a:ext uri="{0D108BD9-81ED-4DB2-BD59-A6C34878D82A}">
+                    <a16:rowId xmlns:a16="http://schemas.microsoft.com/office/drawing/2014/main" val="1095585056"/>
+                  </a:ext>
+                </a:extLst>
+              </a:tr>
+              <a:tr h="407835">
+                <a:tc>
+                  <a:txBody>
+                    <a:bodyPr/>
+                    <a:lstStyle/>
+                    <a:p>
+                      <a:pPr algn="ctr"/>
+                      <a:r>
+                        <a:rPr lang="de-CH" dirty="0"/>
+                        <a:t>1</a:t>
+                      </a:r>
+                    </a:p>
+                  </a:txBody>
+                  <a:tcPr/>
+                </a:tc>
+                <a:tc>
+                  <a:txBody>
+                    <a:bodyPr/>
+                    <a:lstStyle/>
+                    <a:p>
+                      <a:pPr algn="ctr"/>
+                      <a:r>
+                        <a:rPr lang="de-CH" dirty="0"/>
+                        <a:t>0</a:t>
+                      </a:r>
+                    </a:p>
+                  </a:txBody>
+                  <a:tcPr/>
+                </a:tc>
+                <a:extLst>
+                  <a:ext uri="{0D108BD9-81ED-4DB2-BD59-A6C34878D82A}">
+                    <a16:rowId xmlns:a16="http://schemas.microsoft.com/office/drawing/2014/main" val="1571898183"/>
+                  </a:ext>
+                </a:extLst>
+              </a:tr>
+            </a:tbl>
+          </a:graphicData>
+        </a:graphic>
+      </p:graphicFrame>
     </p:spTree>
     <p:extLst>
       <p:ext uri="{BB962C8B-B14F-4D97-AF65-F5344CB8AC3E}">
@@ -2017,7 +2246,7 @@
         </p:blipFill>
         <p:spPr>
           <a:xfrm>
-            <a:off x="2375842" y="4096526"/>
+            <a:off x="2067617" y="4465858"/>
             <a:ext cx="2430780" cy="1325880"/>
           </a:xfrm>
           <a:prstGeom prst="rect">
@@ -2061,6 +2290,378 @@
           </a:prstGeom>
         </p:spPr>
       </p:pic>
+      <p:sp>
+        <p:nvSpPr>
+          <p:cNvPr id="6" name="Textfeld 5">
+            <a:extLst>
+              <a:ext uri="{FF2B5EF4-FFF2-40B4-BE49-F238E27FC236}">
+                <a16:creationId xmlns:a16="http://schemas.microsoft.com/office/drawing/2014/main" id="{61AC3C5F-F1CC-504F-BBFC-5997EFE3E2E1}"/>
+              </a:ext>
+            </a:extLst>
+          </p:cNvPr>
+          <p:cNvSpPr txBox="1"/>
+          <p:nvPr/>
+        </p:nvSpPr>
+        <p:spPr>
+          <a:xfrm>
+            <a:off x="8834830" y="3059668"/>
+            <a:ext cx="1370503" cy="369332"/>
+          </a:xfrm>
+          <a:prstGeom prst="rect">
+            <a:avLst/>
+          </a:prstGeom>
+          <a:noFill/>
+        </p:spPr>
+        <p:txBody>
+          <a:bodyPr wrap="none" rtlCol="0">
+            <a:spAutoFit/>
+          </a:bodyPr>
+          <a:lstStyle/>
+          <a:p>
+            <a:r>
+              <a:rPr lang="de-CH" dirty="0"/>
+              <a:t>Kaffeemühle</a:t>
+            </a:r>
+          </a:p>
+        </p:txBody>
+      </p:sp>
+      <p:sp>
+        <p:nvSpPr>
+          <p:cNvPr id="8" name="Textfeld 7">
+            <a:extLst>
+              <a:ext uri="{FF2B5EF4-FFF2-40B4-BE49-F238E27FC236}">
+                <a16:creationId xmlns:a16="http://schemas.microsoft.com/office/drawing/2014/main" id="{191D1761-F526-A54C-9CD0-7CFEBB817346}"/>
+              </a:ext>
+            </a:extLst>
+          </p:cNvPr>
+          <p:cNvSpPr txBox="1"/>
+          <p:nvPr/>
+        </p:nvSpPr>
+        <p:spPr>
+          <a:xfrm>
+            <a:off x="8888936" y="5422406"/>
+            <a:ext cx="940129" cy="369332"/>
+          </a:xfrm>
+          <a:prstGeom prst="rect">
+            <a:avLst/>
+          </a:prstGeom>
+          <a:noFill/>
+        </p:spPr>
+        <p:txBody>
+          <a:bodyPr wrap="none" rtlCol="0">
+            <a:spAutoFit/>
+          </a:bodyPr>
+          <a:lstStyle/>
+          <a:p>
+            <a:r>
+              <a:rPr lang="de-CH" dirty="0"/>
+              <a:t>Heizung</a:t>
+            </a:r>
+          </a:p>
+        </p:txBody>
+      </p:sp>
+      <p:graphicFrame>
+        <p:nvGraphicFramePr>
+          <p:cNvPr id="10" name="Tabelle 5">
+            <a:extLst>
+              <a:ext uri="{FF2B5EF4-FFF2-40B4-BE49-F238E27FC236}">
+                <a16:creationId xmlns:a16="http://schemas.microsoft.com/office/drawing/2014/main" id="{43159EA8-AB65-6E4A-8EAF-8D272429D558}"/>
+              </a:ext>
+            </a:extLst>
+          </p:cNvPr>
+          <p:cNvGraphicFramePr>
+            <a:graphicFrameLocks noGrp="1"/>
+          </p:cNvGraphicFramePr>
+          <p:nvPr>
+            <p:extLst>
+              <p:ext uri="{D42A27DB-BD31-4B8C-83A1-F6EECF244321}">
+                <p14:modId xmlns:p14="http://schemas.microsoft.com/office/powerpoint/2010/main" val="2793622927"/>
+              </p:ext>
+            </p:extLst>
+          </p:nvPr>
+        </p:nvGraphicFramePr>
+        <p:xfrm>
+          <a:off x="2238317" y="1788865"/>
+          <a:ext cx="1574229" cy="2209800"/>
+        </p:xfrm>
+        <a:graphic>
+          <a:graphicData uri="http://schemas.openxmlformats.org/drawingml/2006/table">
+            <a:tbl>
+              <a:tblPr firstRow="1" bandRow="1">
+                <a:tableStyleId>{5C22544A-7EE6-4342-B048-85BDC9FD1C3A}</a:tableStyleId>
+              </a:tblPr>
+              <a:tblGrid>
+                <a:gridCol w="524743">
+                  <a:extLst>
+                    <a:ext uri="{9D8B030D-6E8A-4147-A177-3AD203B41FA5}">
+                      <a16:colId xmlns:a16="http://schemas.microsoft.com/office/drawing/2014/main" val="2492484511"/>
+                    </a:ext>
+                  </a:extLst>
+                </a:gridCol>
+                <a:gridCol w="524743">
+                  <a:extLst>
+                    <a:ext uri="{9D8B030D-6E8A-4147-A177-3AD203B41FA5}">
+                      <a16:colId xmlns:a16="http://schemas.microsoft.com/office/drawing/2014/main" val="1246144728"/>
+                    </a:ext>
+                  </a:extLst>
+                </a:gridCol>
+                <a:gridCol w="524743">
+                  <a:extLst>
+                    <a:ext uri="{9D8B030D-6E8A-4147-A177-3AD203B41FA5}">
+                      <a16:colId xmlns:a16="http://schemas.microsoft.com/office/drawing/2014/main" val="2132288829"/>
+                    </a:ext>
+                  </a:extLst>
+                </a:gridCol>
+              </a:tblGrid>
+              <a:tr h="441960">
+                <a:tc>
+                  <a:txBody>
+                    <a:bodyPr/>
+                    <a:lstStyle/>
+                    <a:p>
+                      <a:pPr algn="ctr"/>
+                      <a:r>
+                        <a:rPr lang="de-CH" dirty="0"/>
+                        <a:t>A</a:t>
+                      </a:r>
+                    </a:p>
+                  </a:txBody>
+                  <a:tcPr/>
+                </a:tc>
+                <a:tc>
+                  <a:txBody>
+                    <a:bodyPr/>
+                    <a:lstStyle/>
+                    <a:p>
+                      <a:pPr algn="ctr"/>
+                      <a:r>
+                        <a:rPr lang="de-CH" dirty="0"/>
+                        <a:t>B</a:t>
+                      </a:r>
+                    </a:p>
+                  </a:txBody>
+                  <a:tcPr/>
+                </a:tc>
+                <a:tc>
+                  <a:txBody>
+                    <a:bodyPr/>
+                    <a:lstStyle/>
+                    <a:p>
+                      <a:pPr algn="ctr"/>
+                      <a:r>
+                        <a:rPr lang="de-CH" dirty="0"/>
+                        <a:t>Y</a:t>
+                      </a:r>
+                    </a:p>
+                  </a:txBody>
+                  <a:tcPr/>
+                </a:tc>
+                <a:extLst>
+                  <a:ext uri="{0D108BD9-81ED-4DB2-BD59-A6C34878D82A}">
+                    <a16:rowId xmlns:a16="http://schemas.microsoft.com/office/drawing/2014/main" val="1788547896"/>
+                  </a:ext>
+                </a:extLst>
+              </a:tr>
+              <a:tr h="441960">
+                <a:tc>
+                  <a:txBody>
+                    <a:bodyPr/>
+                    <a:lstStyle/>
+                    <a:p>
+                      <a:pPr algn="ctr"/>
+                      <a:r>
+                        <a:rPr lang="de-CH" dirty="0"/>
+                        <a:t>0</a:t>
+                      </a:r>
+                    </a:p>
+                  </a:txBody>
+                  <a:tcPr/>
+                </a:tc>
+                <a:tc>
+                  <a:txBody>
+                    <a:bodyPr/>
+                    <a:lstStyle/>
+                    <a:p>
+                      <a:pPr algn="ctr"/>
+                      <a:r>
+                        <a:rPr lang="de-CH" dirty="0"/>
+                        <a:t>0</a:t>
+                      </a:r>
+                    </a:p>
+                  </a:txBody>
+                  <a:tcPr/>
+                </a:tc>
+                <a:tc>
+                  <a:txBody>
+                    <a:bodyPr/>
+                    <a:lstStyle/>
+                    <a:p>
+                      <a:pPr algn="ctr"/>
+                      <a:r>
+                        <a:rPr lang="de-CH" dirty="0"/>
+                        <a:t>0</a:t>
+                      </a:r>
+                    </a:p>
+                  </a:txBody>
+                  <a:tcPr/>
+                </a:tc>
+                <a:extLst>
+                  <a:ext uri="{0D108BD9-81ED-4DB2-BD59-A6C34878D82A}">
+                    <a16:rowId xmlns:a16="http://schemas.microsoft.com/office/drawing/2014/main" val="1095585056"/>
+                  </a:ext>
+                </a:extLst>
+              </a:tr>
+              <a:tr h="441960">
+                <a:tc>
+                  <a:txBody>
+                    <a:bodyPr/>
+                    <a:lstStyle/>
+                    <a:p>
+                      <a:pPr algn="ctr"/>
+                      <a:r>
+                        <a:rPr lang="de-CH" dirty="0"/>
+                        <a:t>0</a:t>
+                      </a:r>
+                    </a:p>
+                  </a:txBody>
+                  <a:tcPr/>
+                </a:tc>
+                <a:tc>
+                  <a:txBody>
+                    <a:bodyPr/>
+                    <a:lstStyle/>
+                    <a:p>
+                      <a:pPr algn="ctr"/>
+                      <a:r>
+                        <a:rPr lang="de-CH" dirty="0"/>
+                        <a:t>1</a:t>
+                      </a:r>
+                    </a:p>
+                  </a:txBody>
+                  <a:tcPr/>
+                </a:tc>
+                <a:tc>
+                  <a:txBody>
+                    <a:bodyPr/>
+                    <a:lstStyle/>
+                    <a:p>
+                      <a:pPr algn="ctr"/>
+                      <a:r>
+                        <a:rPr lang="de-CH" dirty="0"/>
+                        <a:t>0</a:t>
+                      </a:r>
+                    </a:p>
+                  </a:txBody>
+                  <a:tcPr/>
+                </a:tc>
+                <a:extLst>
+                  <a:ext uri="{0D108BD9-81ED-4DB2-BD59-A6C34878D82A}">
+                    <a16:rowId xmlns:a16="http://schemas.microsoft.com/office/drawing/2014/main" val="1571898183"/>
+                  </a:ext>
+                </a:extLst>
+              </a:tr>
+              <a:tr h="441960">
+                <a:tc>
+                  <a:txBody>
+                    <a:bodyPr/>
+                    <a:lstStyle/>
+                    <a:p>
+                      <a:pPr algn="ctr"/>
+                      <a:r>
+                        <a:rPr lang="de-CH" dirty="0"/>
+                        <a:t>1</a:t>
+                      </a:r>
+                    </a:p>
+                  </a:txBody>
+                  <a:tcPr/>
+                </a:tc>
+                <a:tc>
+                  <a:txBody>
+                    <a:bodyPr/>
+                    <a:lstStyle/>
+                    <a:p>
+                      <a:pPr algn="ctr"/>
+                      <a:r>
+                        <a:rPr lang="de-CH" dirty="0"/>
+                        <a:t>0</a:t>
+                      </a:r>
+                    </a:p>
+                  </a:txBody>
+                  <a:tcPr/>
+                </a:tc>
+                <a:tc>
+                  <a:txBody>
+                    <a:bodyPr/>
+                    <a:lstStyle/>
+                    <a:p>
+                      <a:pPr algn="ctr"/>
+                      <a:r>
+                        <a:rPr lang="de-CH" dirty="0"/>
+                        <a:t>0</a:t>
+                      </a:r>
+                    </a:p>
+                  </a:txBody>
+                  <a:tcPr/>
+                </a:tc>
+                <a:extLst>
+                  <a:ext uri="{0D108BD9-81ED-4DB2-BD59-A6C34878D82A}">
+                    <a16:rowId xmlns:a16="http://schemas.microsoft.com/office/drawing/2014/main" val="1694658742"/>
+                  </a:ext>
+                </a:extLst>
+              </a:tr>
+              <a:tr h="441960">
+                <a:tc>
+                  <a:txBody>
+                    <a:bodyPr/>
+                    <a:lstStyle/>
+                    <a:p>
+                      <a:pPr algn="ctr"/>
+                      <a:r>
+                        <a:rPr lang="de-CH" dirty="0"/>
+                        <a:t>1</a:t>
+                      </a:r>
+                    </a:p>
+                  </a:txBody>
+                  <a:tcPr/>
+                </a:tc>
+                <a:tc>
+                  <a:txBody>
+                    <a:bodyPr/>
+                    <a:lstStyle/>
+                    <a:p>
+                      <a:pPr algn="ctr"/>
+                      <a:r>
+                        <a:rPr lang="de-CH" dirty="0"/>
+                        <a:t>1</a:t>
+                      </a:r>
+                    </a:p>
+                  </a:txBody>
+                  <a:tcPr/>
+                </a:tc>
+                <a:tc>
+                  <a:txBody>
+                    <a:bodyPr/>
+                    <a:lstStyle/>
+                    <a:p>
+                      <a:pPr algn="ctr"/>
+                      <a:r>
+                        <a:rPr lang="de-CH" dirty="0"/>
+                        <a:t>1</a:t>
+                      </a:r>
+                    </a:p>
+                  </a:txBody>
+                  <a:tcPr/>
+                </a:tc>
+                <a:extLst>
+                  <a:ext uri="{0D108BD9-81ED-4DB2-BD59-A6C34878D82A}">
+                    <a16:rowId xmlns:a16="http://schemas.microsoft.com/office/drawing/2014/main" val="90680505"/>
+                  </a:ext>
+                </a:extLst>
+              </a:tr>
+            </a:tbl>
+          </a:graphicData>
+        </a:graphic>
+      </p:graphicFrame>
     </p:spTree>
     <p:extLst>
       <p:ext uri="{BB962C8B-B14F-4D97-AF65-F5344CB8AC3E}">
@@ -2226,10 +2827,1314 @@
           </a:prstGeom>
         </p:spPr>
       </p:pic>
+      <p:sp>
+        <p:nvSpPr>
+          <p:cNvPr id="6" name="Textfeld 5">
+            <a:extLst>
+              <a:ext uri="{FF2B5EF4-FFF2-40B4-BE49-F238E27FC236}">
+                <a16:creationId xmlns:a16="http://schemas.microsoft.com/office/drawing/2014/main" id="{A791E980-4480-D048-82CC-0EEC9CC69929}"/>
+              </a:ext>
+            </a:extLst>
+          </p:cNvPr>
+          <p:cNvSpPr txBox="1"/>
+          <p:nvPr/>
+        </p:nvSpPr>
+        <p:spPr>
+          <a:xfrm>
+            <a:off x="8506057" y="3150156"/>
+            <a:ext cx="1058880" cy="369332"/>
+          </a:xfrm>
+          <a:prstGeom prst="rect">
+            <a:avLst/>
+          </a:prstGeom>
+          <a:noFill/>
+        </p:spPr>
+        <p:txBody>
+          <a:bodyPr wrap="none" rtlCol="0">
+            <a:spAutoFit/>
+          </a:bodyPr>
+          <a:lstStyle/>
+          <a:p>
+            <a:r>
+              <a:rPr lang="de-CH" dirty="0"/>
+              <a:t>Türöffner</a:t>
+            </a:r>
+          </a:p>
+        </p:txBody>
+      </p:sp>
+      <p:sp>
+        <p:nvSpPr>
+          <p:cNvPr id="8" name="Textfeld 7">
+            <a:extLst>
+              <a:ext uri="{FF2B5EF4-FFF2-40B4-BE49-F238E27FC236}">
+                <a16:creationId xmlns:a16="http://schemas.microsoft.com/office/drawing/2014/main" id="{3B043B6A-1815-A248-A6AC-4CDB879BC829}"/>
+              </a:ext>
+            </a:extLst>
+          </p:cNvPr>
+          <p:cNvSpPr txBox="1"/>
+          <p:nvPr/>
+        </p:nvSpPr>
+        <p:spPr>
+          <a:xfrm>
+            <a:off x="8506057" y="5003116"/>
+            <a:ext cx="1643399" cy="369332"/>
+          </a:xfrm>
+          <a:prstGeom prst="rect">
+            <a:avLst/>
+          </a:prstGeom>
+          <a:noFill/>
+        </p:spPr>
+        <p:txBody>
+          <a:bodyPr wrap="none" rtlCol="0">
+            <a:spAutoFit/>
+          </a:bodyPr>
+          <a:lstStyle/>
+          <a:p>
+            <a:r>
+              <a:rPr lang="de-CH" dirty="0"/>
+              <a:t>Einbruchsalarm</a:t>
+            </a:r>
+          </a:p>
+        </p:txBody>
+      </p:sp>
+      <p:graphicFrame>
+        <p:nvGraphicFramePr>
+          <p:cNvPr id="10" name="Tabelle 5">
+            <a:extLst>
+              <a:ext uri="{FF2B5EF4-FFF2-40B4-BE49-F238E27FC236}">
+                <a16:creationId xmlns:a16="http://schemas.microsoft.com/office/drawing/2014/main" id="{994911AB-5EE1-5D46-917E-979FACDE902A}"/>
+              </a:ext>
+            </a:extLst>
+          </p:cNvPr>
+          <p:cNvGraphicFramePr>
+            <a:graphicFrameLocks noGrp="1"/>
+          </p:cNvGraphicFramePr>
+          <p:nvPr>
+            <p:extLst>
+              <p:ext uri="{D42A27DB-BD31-4B8C-83A1-F6EECF244321}">
+                <p14:modId xmlns:p14="http://schemas.microsoft.com/office/powerpoint/2010/main" val="3823396370"/>
+              </p:ext>
+            </p:extLst>
+          </p:nvPr>
+        </p:nvGraphicFramePr>
+        <p:xfrm>
+          <a:off x="1887146" y="1690688"/>
+          <a:ext cx="1574229" cy="2209800"/>
+        </p:xfrm>
+        <a:graphic>
+          <a:graphicData uri="http://schemas.openxmlformats.org/drawingml/2006/table">
+            <a:tbl>
+              <a:tblPr firstRow="1" bandRow="1">
+                <a:tableStyleId>{5C22544A-7EE6-4342-B048-85BDC9FD1C3A}</a:tableStyleId>
+              </a:tblPr>
+              <a:tblGrid>
+                <a:gridCol w="524743">
+                  <a:extLst>
+                    <a:ext uri="{9D8B030D-6E8A-4147-A177-3AD203B41FA5}">
+                      <a16:colId xmlns:a16="http://schemas.microsoft.com/office/drawing/2014/main" val="2492484511"/>
+                    </a:ext>
+                  </a:extLst>
+                </a:gridCol>
+                <a:gridCol w="524743">
+                  <a:extLst>
+                    <a:ext uri="{9D8B030D-6E8A-4147-A177-3AD203B41FA5}">
+                      <a16:colId xmlns:a16="http://schemas.microsoft.com/office/drawing/2014/main" val="1246144728"/>
+                    </a:ext>
+                  </a:extLst>
+                </a:gridCol>
+                <a:gridCol w="524743">
+                  <a:extLst>
+                    <a:ext uri="{9D8B030D-6E8A-4147-A177-3AD203B41FA5}">
+                      <a16:colId xmlns:a16="http://schemas.microsoft.com/office/drawing/2014/main" val="2132288829"/>
+                    </a:ext>
+                  </a:extLst>
+                </a:gridCol>
+              </a:tblGrid>
+              <a:tr h="441960">
+                <a:tc>
+                  <a:txBody>
+                    <a:bodyPr/>
+                    <a:lstStyle/>
+                    <a:p>
+                      <a:pPr algn="ctr"/>
+                      <a:r>
+                        <a:rPr lang="de-CH" dirty="0"/>
+                        <a:t>A</a:t>
+                      </a:r>
+                    </a:p>
+                  </a:txBody>
+                  <a:tcPr/>
+                </a:tc>
+                <a:tc>
+                  <a:txBody>
+                    <a:bodyPr/>
+                    <a:lstStyle/>
+                    <a:p>
+                      <a:pPr algn="ctr"/>
+                      <a:r>
+                        <a:rPr lang="de-CH" dirty="0"/>
+                        <a:t>B</a:t>
+                      </a:r>
+                    </a:p>
+                  </a:txBody>
+                  <a:tcPr/>
+                </a:tc>
+                <a:tc>
+                  <a:txBody>
+                    <a:bodyPr/>
+                    <a:lstStyle/>
+                    <a:p>
+                      <a:pPr algn="ctr"/>
+                      <a:r>
+                        <a:rPr lang="de-CH" dirty="0"/>
+                        <a:t>Y</a:t>
+                      </a:r>
+                    </a:p>
+                  </a:txBody>
+                  <a:tcPr/>
+                </a:tc>
+                <a:extLst>
+                  <a:ext uri="{0D108BD9-81ED-4DB2-BD59-A6C34878D82A}">
+                    <a16:rowId xmlns:a16="http://schemas.microsoft.com/office/drawing/2014/main" val="1788547896"/>
+                  </a:ext>
+                </a:extLst>
+              </a:tr>
+              <a:tr h="441960">
+                <a:tc>
+                  <a:txBody>
+                    <a:bodyPr/>
+                    <a:lstStyle/>
+                    <a:p>
+                      <a:pPr algn="ctr"/>
+                      <a:r>
+                        <a:rPr lang="de-CH" dirty="0"/>
+                        <a:t>0</a:t>
+                      </a:r>
+                    </a:p>
+                  </a:txBody>
+                  <a:tcPr/>
+                </a:tc>
+                <a:tc>
+                  <a:txBody>
+                    <a:bodyPr/>
+                    <a:lstStyle/>
+                    <a:p>
+                      <a:pPr algn="ctr"/>
+                      <a:r>
+                        <a:rPr lang="de-CH" dirty="0"/>
+                        <a:t>0</a:t>
+                      </a:r>
+                    </a:p>
+                  </a:txBody>
+                  <a:tcPr/>
+                </a:tc>
+                <a:tc>
+                  <a:txBody>
+                    <a:bodyPr/>
+                    <a:lstStyle/>
+                    <a:p>
+                      <a:pPr algn="ctr"/>
+                      <a:r>
+                        <a:rPr lang="de-CH" dirty="0"/>
+                        <a:t>0</a:t>
+                      </a:r>
+                    </a:p>
+                  </a:txBody>
+                  <a:tcPr/>
+                </a:tc>
+                <a:extLst>
+                  <a:ext uri="{0D108BD9-81ED-4DB2-BD59-A6C34878D82A}">
+                    <a16:rowId xmlns:a16="http://schemas.microsoft.com/office/drawing/2014/main" val="1095585056"/>
+                  </a:ext>
+                </a:extLst>
+              </a:tr>
+              <a:tr h="441960">
+                <a:tc>
+                  <a:txBody>
+                    <a:bodyPr/>
+                    <a:lstStyle/>
+                    <a:p>
+                      <a:pPr algn="ctr"/>
+                      <a:r>
+                        <a:rPr lang="de-CH" dirty="0"/>
+                        <a:t>0</a:t>
+                      </a:r>
+                    </a:p>
+                  </a:txBody>
+                  <a:tcPr/>
+                </a:tc>
+                <a:tc>
+                  <a:txBody>
+                    <a:bodyPr/>
+                    <a:lstStyle/>
+                    <a:p>
+                      <a:pPr algn="ctr"/>
+                      <a:r>
+                        <a:rPr lang="de-CH" dirty="0"/>
+                        <a:t>1</a:t>
+                      </a:r>
+                    </a:p>
+                  </a:txBody>
+                  <a:tcPr/>
+                </a:tc>
+                <a:tc>
+                  <a:txBody>
+                    <a:bodyPr/>
+                    <a:lstStyle/>
+                    <a:p>
+                      <a:pPr algn="ctr"/>
+                      <a:r>
+                        <a:rPr lang="de-CH" dirty="0"/>
+                        <a:t>1</a:t>
+                      </a:r>
+                    </a:p>
+                  </a:txBody>
+                  <a:tcPr/>
+                </a:tc>
+                <a:extLst>
+                  <a:ext uri="{0D108BD9-81ED-4DB2-BD59-A6C34878D82A}">
+                    <a16:rowId xmlns:a16="http://schemas.microsoft.com/office/drawing/2014/main" val="1571898183"/>
+                  </a:ext>
+                </a:extLst>
+              </a:tr>
+              <a:tr h="441960">
+                <a:tc>
+                  <a:txBody>
+                    <a:bodyPr/>
+                    <a:lstStyle/>
+                    <a:p>
+                      <a:pPr algn="ctr"/>
+                      <a:r>
+                        <a:rPr lang="de-CH" dirty="0"/>
+                        <a:t>1</a:t>
+                      </a:r>
+                    </a:p>
+                  </a:txBody>
+                  <a:tcPr/>
+                </a:tc>
+                <a:tc>
+                  <a:txBody>
+                    <a:bodyPr/>
+                    <a:lstStyle/>
+                    <a:p>
+                      <a:pPr algn="ctr"/>
+                      <a:r>
+                        <a:rPr lang="de-CH" dirty="0"/>
+                        <a:t>0</a:t>
+                      </a:r>
+                    </a:p>
+                  </a:txBody>
+                  <a:tcPr/>
+                </a:tc>
+                <a:tc>
+                  <a:txBody>
+                    <a:bodyPr/>
+                    <a:lstStyle/>
+                    <a:p>
+                      <a:pPr algn="ctr"/>
+                      <a:r>
+                        <a:rPr lang="de-CH" dirty="0"/>
+                        <a:t>1</a:t>
+                      </a:r>
+                    </a:p>
+                  </a:txBody>
+                  <a:tcPr/>
+                </a:tc>
+                <a:extLst>
+                  <a:ext uri="{0D108BD9-81ED-4DB2-BD59-A6C34878D82A}">
+                    <a16:rowId xmlns:a16="http://schemas.microsoft.com/office/drawing/2014/main" val="1694658742"/>
+                  </a:ext>
+                </a:extLst>
+              </a:tr>
+              <a:tr h="441960">
+                <a:tc>
+                  <a:txBody>
+                    <a:bodyPr/>
+                    <a:lstStyle/>
+                    <a:p>
+                      <a:pPr algn="ctr"/>
+                      <a:r>
+                        <a:rPr lang="de-CH" dirty="0"/>
+                        <a:t>1</a:t>
+                      </a:r>
+                    </a:p>
+                  </a:txBody>
+                  <a:tcPr/>
+                </a:tc>
+                <a:tc>
+                  <a:txBody>
+                    <a:bodyPr/>
+                    <a:lstStyle/>
+                    <a:p>
+                      <a:pPr algn="ctr"/>
+                      <a:r>
+                        <a:rPr lang="de-CH" dirty="0"/>
+                        <a:t>1</a:t>
+                      </a:r>
+                    </a:p>
+                  </a:txBody>
+                  <a:tcPr/>
+                </a:tc>
+                <a:tc>
+                  <a:txBody>
+                    <a:bodyPr/>
+                    <a:lstStyle/>
+                    <a:p>
+                      <a:pPr algn="ctr"/>
+                      <a:r>
+                        <a:rPr lang="de-CH" dirty="0"/>
+                        <a:t>1</a:t>
+                      </a:r>
+                    </a:p>
+                  </a:txBody>
+                  <a:tcPr/>
+                </a:tc>
+                <a:extLst>
+                  <a:ext uri="{0D108BD9-81ED-4DB2-BD59-A6C34878D82A}">
+                    <a16:rowId xmlns:a16="http://schemas.microsoft.com/office/drawing/2014/main" val="90680505"/>
+                  </a:ext>
+                </a:extLst>
+              </a:tr>
+            </a:tbl>
+          </a:graphicData>
+        </a:graphic>
+      </p:graphicFrame>
     </p:spTree>
     <p:extLst>
       <p:ext uri="{BB962C8B-B14F-4D97-AF65-F5344CB8AC3E}">
         <p14:creationId xmlns:p14="http://schemas.microsoft.com/office/powerpoint/2010/main" val="1120853483"/>
+      </p:ext>
+    </p:extLst>
+  </p:cSld>
+  <p:clrMapOvr>
+    <a:masterClrMapping/>
+  </p:clrMapOvr>
+</p:sld>
+</file>
+
+<file path=ppt/slides/slide5.xml><?xml version="1.0" encoding="utf-8"?>
+<p:sld xmlns:a="http://schemas.openxmlformats.org/drawingml/2006/main" xmlns:r="http://schemas.openxmlformats.org/officeDocument/2006/relationships" xmlns:p="http://schemas.openxmlformats.org/presentationml/2006/main">
+  <p:cSld>
+    <p:spTree>
+      <p:nvGrpSpPr>
+        <p:cNvPr id="1" name=""/>
+        <p:cNvGrpSpPr/>
+        <p:nvPr/>
+      </p:nvGrpSpPr>
+      <p:grpSpPr>
+        <a:xfrm>
+          <a:off x="0" y="0"/>
+          <a:ext cx="0" cy="0"/>
+          <a:chOff x="0" y="0"/>
+          <a:chExt cx="0" cy="0"/>
+        </a:xfrm>
+      </p:grpSpPr>
+      <p:sp>
+        <p:nvSpPr>
+          <p:cNvPr id="2" name="Titel 1">
+            <a:extLst>
+              <a:ext uri="{FF2B5EF4-FFF2-40B4-BE49-F238E27FC236}">
+                <a16:creationId xmlns:a16="http://schemas.microsoft.com/office/drawing/2014/main" id="{0F0FCD53-7AA5-7B4F-93C6-6FB3E4040D19}"/>
+              </a:ext>
+            </a:extLst>
+          </p:cNvPr>
+          <p:cNvSpPr>
+            <a:spLocks noGrp="1"/>
+          </p:cNvSpPr>
+          <p:nvPr>
+            <p:ph type="title"/>
+          </p:nvPr>
+        </p:nvSpPr>
+        <p:spPr/>
+        <p:txBody>
+          <a:bodyPr/>
+          <a:lstStyle/>
+          <a:p>
+            <a:r>
+              <a:rPr lang="de-CH" dirty="0"/>
+              <a:t>XOR-Gatter</a:t>
+            </a:r>
+          </a:p>
+        </p:txBody>
+      </p:sp>
+      <p:pic>
+        <p:nvPicPr>
+          <p:cNvPr id="6" name="Inhaltsplatzhalter 5">
+            <a:extLst>
+              <a:ext uri="{FF2B5EF4-FFF2-40B4-BE49-F238E27FC236}">
+                <a16:creationId xmlns:a16="http://schemas.microsoft.com/office/drawing/2014/main" id="{12CDF56F-7E7D-C344-B0FD-F041C11EB2CE}"/>
+              </a:ext>
+            </a:extLst>
+          </p:cNvPr>
+          <p:cNvPicPr>
+            <a:picLocks noGrp="1" noChangeAspect="1"/>
+          </p:cNvPicPr>
+          <p:nvPr>
+            <p:ph idx="1"/>
+          </p:nvPr>
+        </p:nvPicPr>
+        <p:blipFill>
+          <a:blip r:embed="rId2">
+            <a:extLst>
+              <a:ext uri="{96DAC541-7B7A-43D3-8B79-37D633B846F1}">
+                <asvg:svgBlip xmlns:asvg="http://schemas.microsoft.com/office/drawing/2016/SVG/main" r:embed="rId3"/>
+              </a:ext>
+            </a:extLst>
+          </a:blip>
+          <a:stretch>
+            <a:fillRect/>
+          </a:stretch>
+        </p:blipFill>
+        <p:spPr>
+          <a:xfrm>
+            <a:off x="1632575" y="4581270"/>
+            <a:ext cx="2651760" cy="1325880"/>
+          </a:xfrm>
+        </p:spPr>
+      </p:pic>
+      <p:graphicFrame>
+        <p:nvGraphicFramePr>
+          <p:cNvPr id="4" name="Tabelle 5">
+            <a:extLst>
+              <a:ext uri="{FF2B5EF4-FFF2-40B4-BE49-F238E27FC236}">
+                <a16:creationId xmlns:a16="http://schemas.microsoft.com/office/drawing/2014/main" id="{800E6AA5-718A-D244-B5A6-E6315749FEDF}"/>
+              </a:ext>
+            </a:extLst>
+          </p:cNvPr>
+          <p:cNvGraphicFramePr>
+            <a:graphicFrameLocks noGrp="1"/>
+          </p:cNvGraphicFramePr>
+          <p:nvPr>
+            <p:extLst>
+              <p:ext uri="{D42A27DB-BD31-4B8C-83A1-F6EECF244321}">
+                <p14:modId xmlns:p14="http://schemas.microsoft.com/office/powerpoint/2010/main" val="3082817923"/>
+              </p:ext>
+            </p:extLst>
+          </p:nvPr>
+        </p:nvGraphicFramePr>
+        <p:xfrm>
+          <a:off x="1938517" y="1885897"/>
+          <a:ext cx="1574229" cy="2209800"/>
+        </p:xfrm>
+        <a:graphic>
+          <a:graphicData uri="http://schemas.openxmlformats.org/drawingml/2006/table">
+            <a:tbl>
+              <a:tblPr firstRow="1" bandRow="1">
+                <a:tableStyleId>{5C22544A-7EE6-4342-B048-85BDC9FD1C3A}</a:tableStyleId>
+              </a:tblPr>
+              <a:tblGrid>
+                <a:gridCol w="524743">
+                  <a:extLst>
+                    <a:ext uri="{9D8B030D-6E8A-4147-A177-3AD203B41FA5}">
+                      <a16:colId xmlns:a16="http://schemas.microsoft.com/office/drawing/2014/main" val="2492484511"/>
+                    </a:ext>
+                  </a:extLst>
+                </a:gridCol>
+                <a:gridCol w="524743">
+                  <a:extLst>
+                    <a:ext uri="{9D8B030D-6E8A-4147-A177-3AD203B41FA5}">
+                      <a16:colId xmlns:a16="http://schemas.microsoft.com/office/drawing/2014/main" val="1246144728"/>
+                    </a:ext>
+                  </a:extLst>
+                </a:gridCol>
+                <a:gridCol w="524743">
+                  <a:extLst>
+                    <a:ext uri="{9D8B030D-6E8A-4147-A177-3AD203B41FA5}">
+                      <a16:colId xmlns:a16="http://schemas.microsoft.com/office/drawing/2014/main" val="2132288829"/>
+                    </a:ext>
+                  </a:extLst>
+                </a:gridCol>
+              </a:tblGrid>
+              <a:tr h="441960">
+                <a:tc>
+                  <a:txBody>
+                    <a:bodyPr/>
+                    <a:lstStyle/>
+                    <a:p>
+                      <a:pPr algn="ctr"/>
+                      <a:r>
+                        <a:rPr lang="de-CH" dirty="0"/>
+                        <a:t>A</a:t>
+                      </a:r>
+                    </a:p>
+                  </a:txBody>
+                  <a:tcPr/>
+                </a:tc>
+                <a:tc>
+                  <a:txBody>
+                    <a:bodyPr/>
+                    <a:lstStyle/>
+                    <a:p>
+                      <a:pPr algn="ctr"/>
+                      <a:r>
+                        <a:rPr lang="de-CH" dirty="0"/>
+                        <a:t>B</a:t>
+                      </a:r>
+                    </a:p>
+                  </a:txBody>
+                  <a:tcPr/>
+                </a:tc>
+                <a:tc>
+                  <a:txBody>
+                    <a:bodyPr/>
+                    <a:lstStyle/>
+                    <a:p>
+                      <a:pPr algn="ctr"/>
+                      <a:r>
+                        <a:rPr lang="de-CH" dirty="0"/>
+                        <a:t>Y</a:t>
+                      </a:r>
+                    </a:p>
+                  </a:txBody>
+                  <a:tcPr/>
+                </a:tc>
+                <a:extLst>
+                  <a:ext uri="{0D108BD9-81ED-4DB2-BD59-A6C34878D82A}">
+                    <a16:rowId xmlns:a16="http://schemas.microsoft.com/office/drawing/2014/main" val="1788547896"/>
+                  </a:ext>
+                </a:extLst>
+              </a:tr>
+              <a:tr h="441960">
+                <a:tc>
+                  <a:txBody>
+                    <a:bodyPr/>
+                    <a:lstStyle/>
+                    <a:p>
+                      <a:pPr algn="ctr"/>
+                      <a:r>
+                        <a:rPr lang="de-CH" dirty="0"/>
+                        <a:t>0</a:t>
+                      </a:r>
+                    </a:p>
+                  </a:txBody>
+                  <a:tcPr/>
+                </a:tc>
+                <a:tc>
+                  <a:txBody>
+                    <a:bodyPr/>
+                    <a:lstStyle/>
+                    <a:p>
+                      <a:pPr algn="ctr"/>
+                      <a:r>
+                        <a:rPr lang="de-CH" dirty="0"/>
+                        <a:t>0</a:t>
+                      </a:r>
+                    </a:p>
+                  </a:txBody>
+                  <a:tcPr/>
+                </a:tc>
+                <a:tc>
+                  <a:txBody>
+                    <a:bodyPr/>
+                    <a:lstStyle/>
+                    <a:p>
+                      <a:pPr algn="ctr"/>
+                      <a:r>
+                        <a:rPr lang="de-CH" dirty="0"/>
+                        <a:t>0</a:t>
+                      </a:r>
+                    </a:p>
+                  </a:txBody>
+                  <a:tcPr/>
+                </a:tc>
+                <a:extLst>
+                  <a:ext uri="{0D108BD9-81ED-4DB2-BD59-A6C34878D82A}">
+                    <a16:rowId xmlns:a16="http://schemas.microsoft.com/office/drawing/2014/main" val="1095585056"/>
+                  </a:ext>
+                </a:extLst>
+              </a:tr>
+              <a:tr h="441960">
+                <a:tc>
+                  <a:txBody>
+                    <a:bodyPr/>
+                    <a:lstStyle/>
+                    <a:p>
+                      <a:pPr algn="ctr"/>
+                      <a:r>
+                        <a:rPr lang="de-CH" dirty="0"/>
+                        <a:t>0</a:t>
+                      </a:r>
+                    </a:p>
+                  </a:txBody>
+                  <a:tcPr/>
+                </a:tc>
+                <a:tc>
+                  <a:txBody>
+                    <a:bodyPr/>
+                    <a:lstStyle/>
+                    <a:p>
+                      <a:pPr algn="ctr"/>
+                      <a:r>
+                        <a:rPr lang="de-CH" dirty="0"/>
+                        <a:t>1</a:t>
+                      </a:r>
+                    </a:p>
+                  </a:txBody>
+                  <a:tcPr/>
+                </a:tc>
+                <a:tc>
+                  <a:txBody>
+                    <a:bodyPr/>
+                    <a:lstStyle/>
+                    <a:p>
+                      <a:pPr algn="ctr"/>
+                      <a:r>
+                        <a:rPr lang="de-CH" dirty="0"/>
+                        <a:t>1</a:t>
+                      </a:r>
+                    </a:p>
+                  </a:txBody>
+                  <a:tcPr/>
+                </a:tc>
+                <a:extLst>
+                  <a:ext uri="{0D108BD9-81ED-4DB2-BD59-A6C34878D82A}">
+                    <a16:rowId xmlns:a16="http://schemas.microsoft.com/office/drawing/2014/main" val="1571898183"/>
+                  </a:ext>
+                </a:extLst>
+              </a:tr>
+              <a:tr h="441960">
+                <a:tc>
+                  <a:txBody>
+                    <a:bodyPr/>
+                    <a:lstStyle/>
+                    <a:p>
+                      <a:pPr algn="ctr"/>
+                      <a:r>
+                        <a:rPr lang="de-CH" dirty="0"/>
+                        <a:t>1</a:t>
+                      </a:r>
+                    </a:p>
+                  </a:txBody>
+                  <a:tcPr/>
+                </a:tc>
+                <a:tc>
+                  <a:txBody>
+                    <a:bodyPr/>
+                    <a:lstStyle/>
+                    <a:p>
+                      <a:pPr algn="ctr"/>
+                      <a:r>
+                        <a:rPr lang="de-CH" dirty="0"/>
+                        <a:t>0</a:t>
+                      </a:r>
+                    </a:p>
+                  </a:txBody>
+                  <a:tcPr/>
+                </a:tc>
+                <a:tc>
+                  <a:txBody>
+                    <a:bodyPr/>
+                    <a:lstStyle/>
+                    <a:p>
+                      <a:pPr algn="ctr"/>
+                      <a:r>
+                        <a:rPr lang="de-CH" dirty="0"/>
+                        <a:t>1</a:t>
+                      </a:r>
+                    </a:p>
+                  </a:txBody>
+                  <a:tcPr/>
+                </a:tc>
+                <a:extLst>
+                  <a:ext uri="{0D108BD9-81ED-4DB2-BD59-A6C34878D82A}">
+                    <a16:rowId xmlns:a16="http://schemas.microsoft.com/office/drawing/2014/main" val="1694658742"/>
+                  </a:ext>
+                </a:extLst>
+              </a:tr>
+              <a:tr h="441960">
+                <a:tc>
+                  <a:txBody>
+                    <a:bodyPr/>
+                    <a:lstStyle/>
+                    <a:p>
+                      <a:pPr algn="ctr"/>
+                      <a:r>
+                        <a:rPr lang="de-CH" dirty="0"/>
+                        <a:t>1</a:t>
+                      </a:r>
+                    </a:p>
+                  </a:txBody>
+                  <a:tcPr/>
+                </a:tc>
+                <a:tc>
+                  <a:txBody>
+                    <a:bodyPr/>
+                    <a:lstStyle/>
+                    <a:p>
+                      <a:pPr algn="ctr"/>
+                      <a:r>
+                        <a:rPr lang="de-CH" dirty="0"/>
+                        <a:t>1</a:t>
+                      </a:r>
+                    </a:p>
+                  </a:txBody>
+                  <a:tcPr/>
+                </a:tc>
+                <a:tc>
+                  <a:txBody>
+                    <a:bodyPr/>
+                    <a:lstStyle/>
+                    <a:p>
+                      <a:pPr algn="ctr"/>
+                      <a:r>
+                        <a:rPr lang="de-CH" dirty="0"/>
+                        <a:t>1</a:t>
+                      </a:r>
+                    </a:p>
+                  </a:txBody>
+                  <a:tcPr/>
+                </a:tc>
+                <a:extLst>
+                  <a:ext uri="{0D108BD9-81ED-4DB2-BD59-A6C34878D82A}">
+                    <a16:rowId xmlns:a16="http://schemas.microsoft.com/office/drawing/2014/main" val="90680505"/>
+                  </a:ext>
+                </a:extLst>
+              </a:tr>
+            </a:tbl>
+          </a:graphicData>
+        </a:graphic>
+      </p:graphicFrame>
+      <p:pic>
+        <p:nvPicPr>
+          <p:cNvPr id="8" name="Grafik 7">
+            <a:extLst>
+              <a:ext uri="{FF2B5EF4-FFF2-40B4-BE49-F238E27FC236}">
+                <a16:creationId xmlns:a16="http://schemas.microsoft.com/office/drawing/2014/main" id="{F7183248-22A0-D047-BCB4-92402F2E0E3B}"/>
+              </a:ext>
+            </a:extLst>
+          </p:cNvPr>
+          <p:cNvPicPr>
+            <a:picLocks noChangeAspect="1"/>
+          </p:cNvPicPr>
+          <p:nvPr/>
+        </p:nvPicPr>
+        <p:blipFill>
+          <a:blip r:embed="rId4">
+            <a:extLst>
+              <a:ext uri="{96DAC541-7B7A-43D3-8B79-37D633B846F1}">
+                <asvg:svgBlip xmlns:asvg="http://schemas.microsoft.com/office/drawing/2016/SVG/main" r:embed="rId5"/>
+              </a:ext>
+            </a:extLst>
+          </a:blip>
+          <a:stretch>
+            <a:fillRect/>
+          </a:stretch>
+        </p:blipFill>
+        <p:spPr>
+          <a:xfrm>
+            <a:off x="6221171" y="4230749"/>
+            <a:ext cx="3810000" cy="1828800"/>
+          </a:xfrm>
+          <a:prstGeom prst="rect">
+            <a:avLst/>
+          </a:prstGeom>
+        </p:spPr>
+      </p:pic>
+      <p:pic>
+        <p:nvPicPr>
+          <p:cNvPr id="10" name="Grafik 9">
+            <a:extLst>
+              <a:ext uri="{FF2B5EF4-FFF2-40B4-BE49-F238E27FC236}">
+                <a16:creationId xmlns:a16="http://schemas.microsoft.com/office/drawing/2014/main" id="{3593950F-E35E-BE4B-8689-A4BDAAAAB1DD}"/>
+              </a:ext>
+            </a:extLst>
+          </p:cNvPr>
+          <p:cNvPicPr>
+            <a:picLocks noChangeAspect="1"/>
+          </p:cNvPicPr>
+          <p:nvPr/>
+        </p:nvPicPr>
+        <p:blipFill>
+          <a:blip r:embed="rId6">
+            <a:extLst>
+              <a:ext uri="{96DAC541-7B7A-43D3-8B79-37D633B846F1}">
+                <asvg:svgBlip xmlns:asvg="http://schemas.microsoft.com/office/drawing/2016/SVG/main" r:embed="rId7"/>
+              </a:ext>
+            </a:extLst>
+          </a:blip>
+          <a:stretch>
+            <a:fillRect/>
+          </a:stretch>
+        </p:blipFill>
+        <p:spPr>
+          <a:xfrm>
+            <a:off x="6221171" y="1459737"/>
+            <a:ext cx="3810000" cy="1676400"/>
+          </a:xfrm>
+          <a:prstGeom prst="rect">
+            <a:avLst/>
+          </a:prstGeom>
+        </p:spPr>
+      </p:pic>
+      <p:sp>
+        <p:nvSpPr>
+          <p:cNvPr id="11" name="Textfeld 10">
+            <a:extLst>
+              <a:ext uri="{FF2B5EF4-FFF2-40B4-BE49-F238E27FC236}">
+                <a16:creationId xmlns:a16="http://schemas.microsoft.com/office/drawing/2014/main" id="{B97CFC86-2B47-094F-B990-8C602A64265A}"/>
+              </a:ext>
+            </a:extLst>
+          </p:cNvPr>
+          <p:cNvSpPr txBox="1"/>
+          <p:nvPr/>
+        </p:nvSpPr>
+        <p:spPr>
+          <a:xfrm>
+            <a:off x="8276028" y="2951471"/>
+            <a:ext cx="1239378" cy="369332"/>
+          </a:xfrm>
+          <a:prstGeom prst="rect">
+            <a:avLst/>
+          </a:prstGeom>
+          <a:noFill/>
+        </p:spPr>
+        <p:txBody>
+          <a:bodyPr wrap="none" rtlCol="0">
+            <a:spAutoFit/>
+          </a:bodyPr>
+          <a:lstStyle/>
+          <a:p>
+            <a:r>
+              <a:rPr lang="de-CH" dirty="0"/>
+              <a:t>TV-Debatte</a:t>
+            </a:r>
+          </a:p>
+        </p:txBody>
+      </p:sp>
+      <p:sp>
+        <p:nvSpPr>
+          <p:cNvPr id="12" name="Textfeld 11">
+            <a:extLst>
+              <a:ext uri="{FF2B5EF4-FFF2-40B4-BE49-F238E27FC236}">
+                <a16:creationId xmlns:a16="http://schemas.microsoft.com/office/drawing/2014/main" id="{AFBACDC7-F5A1-D341-83DD-649B0B70ED3E}"/>
+              </a:ext>
+            </a:extLst>
+          </p:cNvPr>
+          <p:cNvSpPr txBox="1"/>
+          <p:nvPr/>
+        </p:nvSpPr>
+        <p:spPr>
+          <a:xfrm>
+            <a:off x="8276028" y="5690217"/>
+            <a:ext cx="1380699" cy="369332"/>
+          </a:xfrm>
+          <a:prstGeom prst="rect">
+            <a:avLst/>
+          </a:prstGeom>
+          <a:noFill/>
+        </p:spPr>
+        <p:txBody>
+          <a:bodyPr wrap="none" rtlCol="0">
+            <a:spAutoFit/>
+          </a:bodyPr>
+          <a:lstStyle/>
+          <a:p>
+            <a:r>
+              <a:rPr lang="de-CH" dirty="0"/>
+              <a:t>Dating-Show</a:t>
+            </a:r>
+          </a:p>
+        </p:txBody>
+      </p:sp>
+    </p:spTree>
+    <p:extLst>
+      <p:ext uri="{BB962C8B-B14F-4D97-AF65-F5344CB8AC3E}">
+        <p14:creationId xmlns:p14="http://schemas.microsoft.com/office/powerpoint/2010/main" val="1036557356"/>
+      </p:ext>
+    </p:extLst>
+  </p:cSld>
+  <p:clrMapOvr>
+    <a:masterClrMapping/>
+  </p:clrMapOvr>
+</p:sld>
+</file>
+
+<file path=ppt/slides/slide6.xml><?xml version="1.0" encoding="utf-8"?>
+<p:sld xmlns:a="http://schemas.openxmlformats.org/drawingml/2006/main" xmlns:r="http://schemas.openxmlformats.org/officeDocument/2006/relationships" xmlns:p="http://schemas.openxmlformats.org/presentationml/2006/main">
+  <p:cSld>
+    <p:spTree>
+      <p:nvGrpSpPr>
+        <p:cNvPr id="1" name=""/>
+        <p:cNvGrpSpPr/>
+        <p:nvPr/>
+      </p:nvGrpSpPr>
+      <p:grpSpPr>
+        <a:xfrm>
+          <a:off x="0" y="0"/>
+          <a:ext cx="0" cy="0"/>
+          <a:chOff x="0" y="0"/>
+          <a:chExt cx="0" cy="0"/>
+        </a:xfrm>
+      </p:grpSpPr>
+      <p:sp>
+        <p:nvSpPr>
+          <p:cNvPr id="2" name="Titel 1">
+            <a:extLst>
+              <a:ext uri="{FF2B5EF4-FFF2-40B4-BE49-F238E27FC236}">
+                <a16:creationId xmlns:a16="http://schemas.microsoft.com/office/drawing/2014/main" id="{32F77CB7-3176-3842-AD70-5E446904FC60}"/>
+              </a:ext>
+            </a:extLst>
+          </p:cNvPr>
+          <p:cNvSpPr>
+            <a:spLocks noGrp="1"/>
+          </p:cNvSpPr>
+          <p:nvPr>
+            <p:ph type="title"/>
+          </p:nvPr>
+        </p:nvSpPr>
+        <p:spPr/>
+        <p:txBody>
+          <a:bodyPr/>
+          <a:lstStyle/>
+          <a:p>
+            <a:r>
+              <a:rPr lang="de-CH" dirty="0"/>
+              <a:t>NAND-Gatter</a:t>
+            </a:r>
+          </a:p>
+        </p:txBody>
+      </p:sp>
+      <p:pic>
+        <p:nvPicPr>
+          <p:cNvPr id="9" name="Inhaltsplatzhalter 8">
+            <a:extLst>
+              <a:ext uri="{FF2B5EF4-FFF2-40B4-BE49-F238E27FC236}">
+                <a16:creationId xmlns:a16="http://schemas.microsoft.com/office/drawing/2014/main" id="{8F6E19F8-762E-F148-AD0A-29E235AC61BF}"/>
+              </a:ext>
+            </a:extLst>
+          </p:cNvPr>
+          <p:cNvPicPr>
+            <a:picLocks noGrp="1" noChangeAspect="1"/>
+          </p:cNvPicPr>
+          <p:nvPr>
+            <p:ph idx="1"/>
+          </p:nvPr>
+        </p:nvPicPr>
+        <p:blipFill>
+          <a:blip r:embed="rId2">
+            <a:extLst>
+              <a:ext uri="{96DAC541-7B7A-43D3-8B79-37D633B846F1}">
+                <asvg:svgBlip xmlns:asvg="http://schemas.microsoft.com/office/drawing/2016/SVG/main" r:embed="rId3"/>
+              </a:ext>
+            </a:extLst>
+          </a:blip>
+          <a:stretch>
+            <a:fillRect/>
+          </a:stretch>
+        </p:blipFill>
+        <p:spPr>
+          <a:xfrm>
+            <a:off x="1616468" y="4550448"/>
+            <a:ext cx="2651760" cy="1325880"/>
+          </a:xfrm>
+        </p:spPr>
+      </p:pic>
+      <p:graphicFrame>
+        <p:nvGraphicFramePr>
+          <p:cNvPr id="10" name="Tabelle 5">
+            <a:extLst>
+              <a:ext uri="{FF2B5EF4-FFF2-40B4-BE49-F238E27FC236}">
+                <a16:creationId xmlns:a16="http://schemas.microsoft.com/office/drawing/2014/main" id="{C94A4653-E04E-8248-A015-06E8CF47832D}"/>
+              </a:ext>
+            </a:extLst>
+          </p:cNvPr>
+          <p:cNvGraphicFramePr>
+            <a:graphicFrameLocks noGrp="1"/>
+          </p:cNvGraphicFramePr>
+          <p:nvPr>
+            <p:extLst>
+              <p:ext uri="{D42A27DB-BD31-4B8C-83A1-F6EECF244321}">
+                <p14:modId xmlns:p14="http://schemas.microsoft.com/office/powerpoint/2010/main" val="3082542205"/>
+              </p:ext>
+            </p:extLst>
+          </p:nvPr>
+        </p:nvGraphicFramePr>
+        <p:xfrm>
+          <a:off x="1938517" y="1885897"/>
+          <a:ext cx="1574229" cy="2209800"/>
+        </p:xfrm>
+        <a:graphic>
+          <a:graphicData uri="http://schemas.openxmlformats.org/drawingml/2006/table">
+            <a:tbl>
+              <a:tblPr firstRow="1" bandRow="1">
+                <a:tableStyleId>{5C22544A-7EE6-4342-B048-85BDC9FD1C3A}</a:tableStyleId>
+              </a:tblPr>
+              <a:tblGrid>
+                <a:gridCol w="524743">
+                  <a:extLst>
+                    <a:ext uri="{9D8B030D-6E8A-4147-A177-3AD203B41FA5}">
+                      <a16:colId xmlns:a16="http://schemas.microsoft.com/office/drawing/2014/main" val="2492484511"/>
+                    </a:ext>
+                  </a:extLst>
+                </a:gridCol>
+                <a:gridCol w="524743">
+                  <a:extLst>
+                    <a:ext uri="{9D8B030D-6E8A-4147-A177-3AD203B41FA5}">
+                      <a16:colId xmlns:a16="http://schemas.microsoft.com/office/drawing/2014/main" val="1246144728"/>
+                    </a:ext>
+                  </a:extLst>
+                </a:gridCol>
+                <a:gridCol w="524743">
+                  <a:extLst>
+                    <a:ext uri="{9D8B030D-6E8A-4147-A177-3AD203B41FA5}">
+                      <a16:colId xmlns:a16="http://schemas.microsoft.com/office/drawing/2014/main" val="2132288829"/>
+                    </a:ext>
+                  </a:extLst>
+                </a:gridCol>
+              </a:tblGrid>
+              <a:tr h="441960">
+                <a:tc>
+                  <a:txBody>
+                    <a:bodyPr/>
+                    <a:lstStyle/>
+                    <a:p>
+                      <a:pPr algn="ctr"/>
+                      <a:r>
+                        <a:rPr lang="de-CH" dirty="0"/>
+                        <a:t>A</a:t>
+                      </a:r>
+                    </a:p>
+                  </a:txBody>
+                  <a:tcPr/>
+                </a:tc>
+                <a:tc>
+                  <a:txBody>
+                    <a:bodyPr/>
+                    <a:lstStyle/>
+                    <a:p>
+                      <a:pPr algn="ctr"/>
+                      <a:r>
+                        <a:rPr lang="de-CH" dirty="0"/>
+                        <a:t>B</a:t>
+                      </a:r>
+                    </a:p>
+                  </a:txBody>
+                  <a:tcPr/>
+                </a:tc>
+                <a:tc>
+                  <a:txBody>
+                    <a:bodyPr/>
+                    <a:lstStyle/>
+                    <a:p>
+                      <a:pPr algn="ctr"/>
+                      <a:r>
+                        <a:rPr lang="de-CH" dirty="0"/>
+                        <a:t>Y</a:t>
+                      </a:r>
+                    </a:p>
+                  </a:txBody>
+                  <a:tcPr/>
+                </a:tc>
+                <a:extLst>
+                  <a:ext uri="{0D108BD9-81ED-4DB2-BD59-A6C34878D82A}">
+                    <a16:rowId xmlns:a16="http://schemas.microsoft.com/office/drawing/2014/main" val="1788547896"/>
+                  </a:ext>
+                </a:extLst>
+              </a:tr>
+              <a:tr h="441960">
+                <a:tc>
+                  <a:txBody>
+                    <a:bodyPr/>
+                    <a:lstStyle/>
+                    <a:p>
+                      <a:pPr algn="ctr"/>
+                      <a:r>
+                        <a:rPr lang="de-CH" dirty="0"/>
+                        <a:t>0</a:t>
+                      </a:r>
+                    </a:p>
+                  </a:txBody>
+                  <a:tcPr/>
+                </a:tc>
+                <a:tc>
+                  <a:txBody>
+                    <a:bodyPr/>
+                    <a:lstStyle/>
+                    <a:p>
+                      <a:pPr algn="ctr"/>
+                      <a:r>
+                        <a:rPr lang="de-CH" dirty="0"/>
+                        <a:t>0</a:t>
+                      </a:r>
+                    </a:p>
+                  </a:txBody>
+                  <a:tcPr/>
+                </a:tc>
+                <a:tc>
+                  <a:txBody>
+                    <a:bodyPr/>
+                    <a:lstStyle/>
+                    <a:p>
+                      <a:pPr algn="ctr"/>
+                      <a:r>
+                        <a:rPr lang="de-CH" dirty="0"/>
+                        <a:t>1</a:t>
+                      </a:r>
+                    </a:p>
+                  </a:txBody>
+                  <a:tcPr/>
+                </a:tc>
+                <a:extLst>
+                  <a:ext uri="{0D108BD9-81ED-4DB2-BD59-A6C34878D82A}">
+                    <a16:rowId xmlns:a16="http://schemas.microsoft.com/office/drawing/2014/main" val="1095585056"/>
+                  </a:ext>
+                </a:extLst>
+              </a:tr>
+              <a:tr h="441960">
+                <a:tc>
+                  <a:txBody>
+                    <a:bodyPr/>
+                    <a:lstStyle/>
+                    <a:p>
+                      <a:pPr algn="ctr"/>
+                      <a:r>
+                        <a:rPr lang="de-CH" dirty="0"/>
+                        <a:t>0</a:t>
+                      </a:r>
+                    </a:p>
+                  </a:txBody>
+                  <a:tcPr/>
+                </a:tc>
+                <a:tc>
+                  <a:txBody>
+                    <a:bodyPr/>
+                    <a:lstStyle/>
+                    <a:p>
+                      <a:pPr algn="ctr"/>
+                      <a:r>
+                        <a:rPr lang="de-CH" dirty="0"/>
+                        <a:t>1</a:t>
+                      </a:r>
+                    </a:p>
+                  </a:txBody>
+                  <a:tcPr/>
+                </a:tc>
+                <a:tc>
+                  <a:txBody>
+                    <a:bodyPr/>
+                    <a:lstStyle/>
+                    <a:p>
+                      <a:pPr algn="ctr"/>
+                      <a:r>
+                        <a:rPr lang="de-CH" dirty="0"/>
+                        <a:t>1</a:t>
+                      </a:r>
+                    </a:p>
+                  </a:txBody>
+                  <a:tcPr/>
+                </a:tc>
+                <a:extLst>
+                  <a:ext uri="{0D108BD9-81ED-4DB2-BD59-A6C34878D82A}">
+                    <a16:rowId xmlns:a16="http://schemas.microsoft.com/office/drawing/2014/main" val="1571898183"/>
+                  </a:ext>
+                </a:extLst>
+              </a:tr>
+              <a:tr h="441960">
+                <a:tc>
+                  <a:txBody>
+                    <a:bodyPr/>
+                    <a:lstStyle/>
+                    <a:p>
+                      <a:pPr algn="ctr"/>
+                      <a:r>
+                        <a:rPr lang="de-CH" dirty="0"/>
+                        <a:t>1</a:t>
+                      </a:r>
+                    </a:p>
+                  </a:txBody>
+                  <a:tcPr/>
+                </a:tc>
+                <a:tc>
+                  <a:txBody>
+                    <a:bodyPr/>
+                    <a:lstStyle/>
+                    <a:p>
+                      <a:pPr algn="ctr"/>
+                      <a:r>
+                        <a:rPr lang="de-CH" dirty="0"/>
+                        <a:t>0</a:t>
+                      </a:r>
+                    </a:p>
+                  </a:txBody>
+                  <a:tcPr/>
+                </a:tc>
+                <a:tc>
+                  <a:txBody>
+                    <a:bodyPr/>
+                    <a:lstStyle/>
+                    <a:p>
+                      <a:pPr algn="ctr"/>
+                      <a:r>
+                        <a:rPr lang="de-CH" dirty="0"/>
+                        <a:t>1</a:t>
+                      </a:r>
+                    </a:p>
+                  </a:txBody>
+                  <a:tcPr/>
+                </a:tc>
+                <a:extLst>
+                  <a:ext uri="{0D108BD9-81ED-4DB2-BD59-A6C34878D82A}">
+                    <a16:rowId xmlns:a16="http://schemas.microsoft.com/office/drawing/2014/main" val="1694658742"/>
+                  </a:ext>
+                </a:extLst>
+              </a:tr>
+              <a:tr h="441960">
+                <a:tc>
+                  <a:txBody>
+                    <a:bodyPr/>
+                    <a:lstStyle/>
+                    <a:p>
+                      <a:pPr algn="ctr"/>
+                      <a:r>
+                        <a:rPr lang="de-CH" dirty="0"/>
+                        <a:t>1</a:t>
+                      </a:r>
+                    </a:p>
+                  </a:txBody>
+                  <a:tcPr/>
+                </a:tc>
+                <a:tc>
+                  <a:txBody>
+                    <a:bodyPr/>
+                    <a:lstStyle/>
+                    <a:p>
+                      <a:pPr algn="ctr"/>
+                      <a:r>
+                        <a:rPr lang="de-CH" dirty="0"/>
+                        <a:t>1</a:t>
+                      </a:r>
+                    </a:p>
+                  </a:txBody>
+                  <a:tcPr/>
+                </a:tc>
+                <a:tc>
+                  <a:txBody>
+                    <a:bodyPr/>
+                    <a:lstStyle/>
+                    <a:p>
+                      <a:pPr algn="ctr"/>
+                      <a:r>
+                        <a:rPr lang="de-CH" dirty="0"/>
+                        <a:t>0</a:t>
+                      </a:r>
+                    </a:p>
+                  </a:txBody>
+                  <a:tcPr/>
+                </a:tc>
+                <a:extLst>
+                  <a:ext uri="{0D108BD9-81ED-4DB2-BD59-A6C34878D82A}">
+                    <a16:rowId xmlns:a16="http://schemas.microsoft.com/office/drawing/2014/main" val="90680505"/>
+                  </a:ext>
+                </a:extLst>
+              </a:tr>
+            </a:tbl>
+          </a:graphicData>
+        </a:graphic>
+      </p:graphicFrame>
+    </p:spTree>
+    <p:extLst>
+      <p:ext uri="{BB962C8B-B14F-4D97-AF65-F5344CB8AC3E}">
+        <p14:creationId xmlns:p14="http://schemas.microsoft.com/office/powerpoint/2010/main" val="804957445"/>
       </p:ext>
     </p:extLst>
   </p:cSld>
